--- a/presentation/presentation.pptx
+++ b/presentation/presentation.pptx
@@ -1,17 +1,11 @@
 
 <file path=ppt/presentation.xml><?xml version="1.0" encoding="utf-8"?>
-<p:presentation xmlns:a="http://schemas.openxmlformats.org/drawingml/2006/main" xmlns:r="http://schemas.openxmlformats.org/officeDocument/2006/relationships" xmlns:p="http://schemas.openxmlformats.org/presentationml/2006/main" rtl="1" saveSubsetFonts="1">
+<p:presentation xmlns:a="http://schemas.openxmlformats.org/drawingml/2006/main" xmlns:r="http://schemas.openxmlformats.org/officeDocument/2006/relationships" xmlns:p="http://schemas.openxmlformats.org/presentationml/2006/main" saveSubsetFonts="1" autoCompressPictures="0">
   <p:sldMasterIdLst>
     <p:sldMasterId id="2147483648" r:id="rId1"/>
   </p:sldMasterIdLst>
   <p:sldIdLst>
-    <p:sldId id="258" r:id="rId2"/>
-    <p:sldId id="259" r:id="rId3"/>
-    <p:sldId id="260" r:id="rId4"/>
-    <p:sldId id="262" r:id="rId5"/>
-    <p:sldId id="263" r:id="rId6"/>
-    <p:sldId id="264" r:id="rId7"/>
-    <p:sldId id="265" r:id="rId8"/>
+    <p:sldId id="257" r:id="rId2"/>
   </p:sldIdLst>
   <p:sldSz cx="12192000" cy="6858000"/>
   <p:notesSz cx="6858000" cy="9144000"/>
@@ -19,7 +13,7 @@
     <a:defPPr>
       <a:defRPr lang="en-US"/>
     </a:defPPr>
-    <a:lvl1pPr marL="0" algn="r" defTabSz="914400" rtl="1" eaLnBrk="1" latinLnBrk="0" hangingPunct="1">
+    <a:lvl1pPr marL="0" algn="l" defTabSz="914400" rtl="0" eaLnBrk="1" latinLnBrk="0" hangingPunct="1">
       <a:defRPr sz="1800" kern="1200">
         <a:solidFill>
           <a:schemeClr val="tx1"/>
@@ -29,7 +23,7 @@
         <a:cs typeface="+mn-cs"/>
       </a:defRPr>
     </a:lvl1pPr>
-    <a:lvl2pPr marL="457200" algn="r" defTabSz="914400" rtl="1" eaLnBrk="1" latinLnBrk="0" hangingPunct="1">
+    <a:lvl2pPr marL="457200" algn="l" defTabSz="914400" rtl="0" eaLnBrk="1" latinLnBrk="0" hangingPunct="1">
       <a:defRPr sz="1800" kern="1200">
         <a:solidFill>
           <a:schemeClr val="tx1"/>
@@ -39,7 +33,7 @@
         <a:cs typeface="+mn-cs"/>
       </a:defRPr>
     </a:lvl2pPr>
-    <a:lvl3pPr marL="914400" algn="r" defTabSz="914400" rtl="1" eaLnBrk="1" latinLnBrk="0" hangingPunct="1">
+    <a:lvl3pPr marL="914400" algn="l" defTabSz="914400" rtl="0" eaLnBrk="1" latinLnBrk="0" hangingPunct="1">
       <a:defRPr sz="1800" kern="1200">
         <a:solidFill>
           <a:schemeClr val="tx1"/>
@@ -49,7 +43,7 @@
         <a:cs typeface="+mn-cs"/>
       </a:defRPr>
     </a:lvl3pPr>
-    <a:lvl4pPr marL="1371600" algn="r" defTabSz="914400" rtl="1" eaLnBrk="1" latinLnBrk="0" hangingPunct="1">
+    <a:lvl4pPr marL="1371600" algn="l" defTabSz="914400" rtl="0" eaLnBrk="1" latinLnBrk="0" hangingPunct="1">
       <a:defRPr sz="1800" kern="1200">
         <a:solidFill>
           <a:schemeClr val="tx1"/>
@@ -59,7 +53,7 @@
         <a:cs typeface="+mn-cs"/>
       </a:defRPr>
     </a:lvl4pPr>
-    <a:lvl5pPr marL="1828800" algn="r" defTabSz="914400" rtl="1" eaLnBrk="1" latinLnBrk="0" hangingPunct="1">
+    <a:lvl5pPr marL="1828800" algn="l" defTabSz="914400" rtl="0" eaLnBrk="1" latinLnBrk="0" hangingPunct="1">
       <a:defRPr sz="1800" kern="1200">
         <a:solidFill>
           <a:schemeClr val="tx1"/>
@@ -69,7 +63,7 @@
         <a:cs typeface="+mn-cs"/>
       </a:defRPr>
     </a:lvl5pPr>
-    <a:lvl6pPr marL="2286000" algn="r" defTabSz="914400" rtl="1" eaLnBrk="1" latinLnBrk="0" hangingPunct="1">
+    <a:lvl6pPr marL="2286000" algn="l" defTabSz="914400" rtl="0" eaLnBrk="1" latinLnBrk="0" hangingPunct="1">
       <a:defRPr sz="1800" kern="1200">
         <a:solidFill>
           <a:schemeClr val="tx1"/>
@@ -79,7 +73,7 @@
         <a:cs typeface="+mn-cs"/>
       </a:defRPr>
     </a:lvl6pPr>
-    <a:lvl7pPr marL="2743200" algn="r" defTabSz="914400" rtl="1" eaLnBrk="1" latinLnBrk="0" hangingPunct="1">
+    <a:lvl7pPr marL="2743200" algn="l" defTabSz="914400" rtl="0" eaLnBrk="1" latinLnBrk="0" hangingPunct="1">
       <a:defRPr sz="1800" kern="1200">
         <a:solidFill>
           <a:schemeClr val="tx1"/>
@@ -89,7 +83,7 @@
         <a:cs typeface="+mn-cs"/>
       </a:defRPr>
     </a:lvl7pPr>
-    <a:lvl8pPr marL="3200400" algn="r" defTabSz="914400" rtl="1" eaLnBrk="1" latinLnBrk="0" hangingPunct="1">
+    <a:lvl8pPr marL="3200400" algn="l" defTabSz="914400" rtl="0" eaLnBrk="1" latinLnBrk="0" hangingPunct="1">
       <a:defRPr sz="1800" kern="1200">
         <a:solidFill>
           <a:schemeClr val="tx1"/>
@@ -99,7 +93,7 @@
         <a:cs typeface="+mn-cs"/>
       </a:defRPr>
     </a:lvl8pPr>
-    <a:lvl9pPr marL="3657600" algn="r" defTabSz="914400" rtl="1" eaLnBrk="1" latinLnBrk="0" hangingPunct="1">
+    <a:lvl9pPr marL="3657600" algn="l" defTabSz="914400" rtl="0" eaLnBrk="1" latinLnBrk="0" hangingPunct="1">
       <a:defRPr sz="1800" kern="1200">
         <a:solidFill>
           <a:schemeClr val="tx1"/>
@@ -110,17 +104,12 @@
       </a:defRPr>
     </a:lvl9pPr>
   </p:defaultTextStyle>
-  <p:extLst>
-    <p:ext uri="{EFAFB233-063F-42B5-8137-9DF3F51BA10A}">
-      <p15:sldGuideLst xmlns:p15="http://schemas.microsoft.com/office/powerpoint/2012/main"/>
-    </p:ext>
-  </p:extLst>
 </p:presentation>
 </file>
 
 <file path=ppt/slideLayouts/slideLayout1.xml><?xml version="1.0" encoding="utf-8"?>
 <p:sldLayout xmlns:a="http://schemas.openxmlformats.org/drawingml/2006/main" xmlns:r="http://schemas.openxmlformats.org/officeDocument/2006/relationships" xmlns:p="http://schemas.openxmlformats.org/presentationml/2006/main" type="title" preserve="1">
-  <p:cSld name="שקופית כותרת">
+  <p:cSld name="Title Slide">
     <p:spTree>
       <p:nvGrpSpPr>
         <p:cNvPr id="1" name=""/>
@@ -137,10 +126,10 @@
       </p:grpSpPr>
       <p:sp>
         <p:nvSpPr>
-          <p:cNvPr id="2" name="כותרת 1">
-            <a:extLst>
-              <a:ext uri="{FF2B5EF4-FFF2-40B4-BE49-F238E27FC236}">
-                <a16:creationId xmlns:a16="http://schemas.microsoft.com/office/drawing/2014/main" id="{885E0732-1582-FB90-FB1D-9F375A98247D}"/>
+          <p:cNvPr id="2" name="Title 1">
+            <a:extLst>
+              <a:ext uri="{FF2B5EF4-FFF2-40B4-BE49-F238E27FC236}">
+                <a16:creationId xmlns:a16="http://schemas.microsoft.com/office/drawing/2014/main" id="{5D784BC3-9823-E58F-F1FE-7F677F805CEC}"/>
               </a:ext>
             </a:extLst>
           </p:cNvPr>
@@ -166,19 +155,19 @@
           </a:lstStyle>
           <a:p>
             <a:r>
-              <a:rPr lang="he-IL"/>
-              <a:t>לחץ כדי לערוך סגנון כותרת של תבנית בסיס</a:t>
-            </a:r>
-            <a:endParaRPr lang="en-US"/>
-          </a:p>
-        </p:txBody>
-      </p:sp>
-      <p:sp>
-        <p:nvSpPr>
-          <p:cNvPr id="3" name="כותרת משנה 2">
-            <a:extLst>
-              <a:ext uri="{FF2B5EF4-FFF2-40B4-BE49-F238E27FC236}">
-                <a16:creationId xmlns:a16="http://schemas.microsoft.com/office/drawing/2014/main" id="{3DD812A7-5DF0-9D90-6B74-51D4E6C87B0A}"/>
+              <a:rPr lang="en-GB"/>
+              <a:t>Click to edit Master title style</a:t>
+            </a:r>
+            <a:endParaRPr lang="en-US"/>
+          </a:p>
+        </p:txBody>
+      </p:sp>
+      <p:sp>
+        <p:nvSpPr>
+          <p:cNvPr id="3" name="Subtitle 2">
+            <a:extLst>
+              <a:ext uri="{FF2B5EF4-FFF2-40B4-BE49-F238E27FC236}">
+                <a16:creationId xmlns:a16="http://schemas.microsoft.com/office/drawing/2014/main" id="{7D8DAF01-A7B3-E666-7461-57E28D4528BA}"/>
               </a:ext>
             </a:extLst>
           </p:cNvPr>
@@ -237,19 +226,19 @@
           </a:lstStyle>
           <a:p>
             <a:r>
-              <a:rPr lang="he-IL"/>
-              <a:t>לחץ כדי לערוך סגנון כותרת משנה של תבנית בסיס</a:t>
-            </a:r>
-            <a:endParaRPr lang="en-US"/>
-          </a:p>
-        </p:txBody>
-      </p:sp>
-      <p:sp>
-        <p:nvSpPr>
-          <p:cNvPr id="4" name="מציין מיקום של תאריך 3">
-            <a:extLst>
-              <a:ext uri="{FF2B5EF4-FFF2-40B4-BE49-F238E27FC236}">
-                <a16:creationId xmlns:a16="http://schemas.microsoft.com/office/drawing/2014/main" id="{5B324123-85A6-D6BF-AE2E-F95E30BE7C0B}"/>
+              <a:rPr lang="en-GB"/>
+              <a:t>Click to edit Master subtitle style</a:t>
+            </a:r>
+            <a:endParaRPr lang="en-US"/>
+          </a:p>
+        </p:txBody>
+      </p:sp>
+      <p:sp>
+        <p:nvSpPr>
+          <p:cNvPr id="4" name="Date Placeholder 3">
+            <a:extLst>
+              <a:ext uri="{FF2B5EF4-FFF2-40B4-BE49-F238E27FC236}">
+                <a16:creationId xmlns:a16="http://schemas.microsoft.com/office/drawing/2014/main" id="{5E2F336F-C52C-935A-A252-9B2D80580A75}"/>
               </a:ext>
             </a:extLst>
           </p:cNvPr>
@@ -265,9 +254,9 @@
           <a:bodyPr/>
           <a:lstStyle/>
           <a:p>
-            <a:fld id="{7796CE80-BFF2-471B-ABCF-30264F4004DA}" type="datetimeFigureOut">
+            <a:fld id="{9AF104AB-4E30-344B-8537-55087354975F}" type="datetimeFigureOut">
               <a:rPr lang="en-US" smtClean="0"/>
-              <a:t>4/18/25</a:t>
+              <a:t>4/19/25</a:t>
             </a:fld>
             <a:endParaRPr lang="en-US"/>
           </a:p>
@@ -275,10 +264,10 @@
       </p:sp>
       <p:sp>
         <p:nvSpPr>
-          <p:cNvPr id="5" name="מציין מיקום של כותרת תחתונה 4">
-            <a:extLst>
-              <a:ext uri="{FF2B5EF4-FFF2-40B4-BE49-F238E27FC236}">
-                <a16:creationId xmlns:a16="http://schemas.microsoft.com/office/drawing/2014/main" id="{BBDFD9AA-BBB5-DF26-4595-A4F3632F2378}"/>
+          <p:cNvPr id="5" name="Footer Placeholder 4">
+            <a:extLst>
+              <a:ext uri="{FF2B5EF4-FFF2-40B4-BE49-F238E27FC236}">
+                <a16:creationId xmlns:a16="http://schemas.microsoft.com/office/drawing/2014/main" id="{596DC819-7184-C144-190E-ED860A59B0FF}"/>
               </a:ext>
             </a:extLst>
           </p:cNvPr>
@@ -300,10 +289,10 @@
       </p:sp>
       <p:sp>
         <p:nvSpPr>
-          <p:cNvPr id="6" name="מציין מיקום של מספר שקופית 5">
-            <a:extLst>
-              <a:ext uri="{FF2B5EF4-FFF2-40B4-BE49-F238E27FC236}">
-                <a16:creationId xmlns:a16="http://schemas.microsoft.com/office/drawing/2014/main" id="{AD3A567E-6207-92DB-989A-AFF9682EE5D0}"/>
+          <p:cNvPr id="6" name="Slide Number Placeholder 5">
+            <a:extLst>
+              <a:ext uri="{FF2B5EF4-FFF2-40B4-BE49-F238E27FC236}">
+                <a16:creationId xmlns:a16="http://schemas.microsoft.com/office/drawing/2014/main" id="{9A52A42E-7196-55DD-CEB9-6EC22AAF5EBB}"/>
               </a:ext>
             </a:extLst>
           </p:cNvPr>
@@ -319,7 +308,7 @@
           <a:bodyPr/>
           <a:lstStyle/>
           <a:p>
-            <a:fld id="{433FFA6A-B5E6-456F-B915-93FD4BE84380}" type="slidenum">
+            <a:fld id="{9A68A866-CEF6-BC49-8301-43259091E3A4}" type="slidenum">
               <a:rPr lang="en-US" smtClean="0"/>
               <a:t>‹#›</a:t>
             </a:fld>
@@ -330,7 +319,7 @@
     </p:spTree>
     <p:extLst>
       <p:ext uri="{BB962C8B-B14F-4D97-AF65-F5344CB8AC3E}">
-        <p14:creationId xmlns:p14="http://schemas.microsoft.com/office/powerpoint/2010/main" val="2147934890"/>
+        <p14:creationId xmlns:p14="http://schemas.microsoft.com/office/powerpoint/2010/main" val="1224680852"/>
       </p:ext>
     </p:extLst>
   </p:cSld>
@@ -342,7 +331,7 @@
 
 <file path=ppt/slideLayouts/slideLayout10.xml><?xml version="1.0" encoding="utf-8"?>
 <p:sldLayout xmlns:a="http://schemas.openxmlformats.org/drawingml/2006/main" xmlns:r="http://schemas.openxmlformats.org/officeDocument/2006/relationships" xmlns:p="http://schemas.openxmlformats.org/presentationml/2006/main" type="vertTx" preserve="1">
-  <p:cSld name="כותרת וטקסט אנכי">
+  <p:cSld name="Title and Vertical Text">
     <p:spTree>
       <p:nvGrpSpPr>
         <p:cNvPr id="1" name=""/>
@@ -359,10 +348,10 @@
       </p:grpSpPr>
       <p:sp>
         <p:nvSpPr>
-          <p:cNvPr id="2" name="כותרת 1">
-            <a:extLst>
-              <a:ext uri="{FF2B5EF4-FFF2-40B4-BE49-F238E27FC236}">
-                <a16:creationId xmlns:a16="http://schemas.microsoft.com/office/drawing/2014/main" id="{237D9852-5F38-FADC-D843-22C901FABBDA}"/>
+          <p:cNvPr id="2" name="Title 1">
+            <a:extLst>
+              <a:ext uri="{FF2B5EF4-FFF2-40B4-BE49-F238E27FC236}">
+                <a16:creationId xmlns:a16="http://schemas.microsoft.com/office/drawing/2014/main" id="{BAE7B6EB-D6E0-8EEF-8E67-CF5CA8315CB5}"/>
               </a:ext>
             </a:extLst>
           </p:cNvPr>
@@ -379,19 +368,19 @@
           <a:lstStyle/>
           <a:p>
             <a:r>
-              <a:rPr lang="he-IL"/>
-              <a:t>לחץ כדי לערוך סגנון כותרת של תבנית בסיס</a:t>
-            </a:r>
-            <a:endParaRPr lang="en-US"/>
-          </a:p>
-        </p:txBody>
-      </p:sp>
-      <p:sp>
-        <p:nvSpPr>
-          <p:cNvPr id="3" name="מציין מיקום של טקסט אנכי 2">
-            <a:extLst>
-              <a:ext uri="{FF2B5EF4-FFF2-40B4-BE49-F238E27FC236}">
-                <a16:creationId xmlns:a16="http://schemas.microsoft.com/office/drawing/2014/main" id="{E605BC00-ED7B-F042-DB43-3802331A6973}"/>
+              <a:rPr lang="en-GB"/>
+              <a:t>Click to edit Master title style</a:t>
+            </a:r>
+            <a:endParaRPr lang="en-US"/>
+          </a:p>
+        </p:txBody>
+      </p:sp>
+      <p:sp>
+        <p:nvSpPr>
+          <p:cNvPr id="3" name="Vertical Text Placeholder 2">
+            <a:extLst>
+              <a:ext uri="{FF2B5EF4-FFF2-40B4-BE49-F238E27FC236}">
+                <a16:creationId xmlns:a16="http://schemas.microsoft.com/office/drawing/2014/main" id="{A7E969E9-DC1E-FA20-ADBE-5B7039A4DAA6}"/>
               </a:ext>
             </a:extLst>
           </p:cNvPr>
@@ -409,47 +398,47 @@
           <a:p>
             <a:pPr lvl="0"/>
             <a:r>
-              <a:rPr lang="he-IL"/>
-              <a:t>לחץ כדי לערוך סגנונות טקסט של תבנית בסיס</a:t>
+              <a:rPr lang="en-GB"/>
+              <a:t>Click to edit Master text styles</a:t>
             </a:r>
           </a:p>
           <a:p>
             <a:pPr lvl="1"/>
             <a:r>
-              <a:rPr lang="he-IL"/>
-              <a:t>רמה שנייה</a:t>
+              <a:rPr lang="en-GB"/>
+              <a:t>Second level</a:t>
             </a:r>
           </a:p>
           <a:p>
             <a:pPr lvl="2"/>
             <a:r>
-              <a:rPr lang="he-IL"/>
-              <a:t>רמה שלישית</a:t>
+              <a:rPr lang="en-GB"/>
+              <a:t>Third level</a:t>
             </a:r>
           </a:p>
           <a:p>
             <a:pPr lvl="3"/>
             <a:r>
-              <a:rPr lang="he-IL"/>
-              <a:t>רמה רביעית</a:t>
+              <a:rPr lang="en-GB"/>
+              <a:t>Fourth level</a:t>
             </a:r>
           </a:p>
           <a:p>
             <a:pPr lvl="4"/>
             <a:r>
-              <a:rPr lang="he-IL"/>
-              <a:t>רמה חמישית</a:t>
-            </a:r>
-            <a:endParaRPr lang="en-US"/>
-          </a:p>
-        </p:txBody>
-      </p:sp>
-      <p:sp>
-        <p:nvSpPr>
-          <p:cNvPr id="4" name="מציין מיקום של תאריך 3">
-            <a:extLst>
-              <a:ext uri="{FF2B5EF4-FFF2-40B4-BE49-F238E27FC236}">
-                <a16:creationId xmlns:a16="http://schemas.microsoft.com/office/drawing/2014/main" id="{4D24C49A-6238-8CA6-A908-F4D4F75F2194}"/>
+              <a:rPr lang="en-GB"/>
+              <a:t>Fifth level</a:t>
+            </a:r>
+            <a:endParaRPr lang="en-US"/>
+          </a:p>
+        </p:txBody>
+      </p:sp>
+      <p:sp>
+        <p:nvSpPr>
+          <p:cNvPr id="4" name="Date Placeholder 3">
+            <a:extLst>
+              <a:ext uri="{FF2B5EF4-FFF2-40B4-BE49-F238E27FC236}">
+                <a16:creationId xmlns:a16="http://schemas.microsoft.com/office/drawing/2014/main" id="{A5EF364F-1F6C-3D4B-36C0-3D714496559E}"/>
               </a:ext>
             </a:extLst>
           </p:cNvPr>
@@ -465,9 +454,9 @@
           <a:bodyPr/>
           <a:lstStyle/>
           <a:p>
-            <a:fld id="{7796CE80-BFF2-471B-ABCF-30264F4004DA}" type="datetimeFigureOut">
+            <a:fld id="{9AF104AB-4E30-344B-8537-55087354975F}" type="datetimeFigureOut">
               <a:rPr lang="en-US" smtClean="0"/>
-              <a:t>4/18/25</a:t>
+              <a:t>4/19/25</a:t>
             </a:fld>
             <a:endParaRPr lang="en-US"/>
           </a:p>
@@ -475,10 +464,10 @@
       </p:sp>
       <p:sp>
         <p:nvSpPr>
-          <p:cNvPr id="5" name="מציין מיקום של כותרת תחתונה 4">
-            <a:extLst>
-              <a:ext uri="{FF2B5EF4-FFF2-40B4-BE49-F238E27FC236}">
-                <a16:creationId xmlns:a16="http://schemas.microsoft.com/office/drawing/2014/main" id="{00BA65B0-EEA8-1109-3024-17DE87595090}"/>
+          <p:cNvPr id="5" name="Footer Placeholder 4">
+            <a:extLst>
+              <a:ext uri="{FF2B5EF4-FFF2-40B4-BE49-F238E27FC236}">
+                <a16:creationId xmlns:a16="http://schemas.microsoft.com/office/drawing/2014/main" id="{11966530-092B-20BB-12B7-BF2909777475}"/>
               </a:ext>
             </a:extLst>
           </p:cNvPr>
@@ -500,10 +489,10 @@
       </p:sp>
       <p:sp>
         <p:nvSpPr>
-          <p:cNvPr id="6" name="מציין מיקום של מספר שקופית 5">
-            <a:extLst>
-              <a:ext uri="{FF2B5EF4-FFF2-40B4-BE49-F238E27FC236}">
-                <a16:creationId xmlns:a16="http://schemas.microsoft.com/office/drawing/2014/main" id="{93EB87BC-4CB5-EAA6-AEB5-A09DBCBB82F4}"/>
+          <p:cNvPr id="6" name="Slide Number Placeholder 5">
+            <a:extLst>
+              <a:ext uri="{FF2B5EF4-FFF2-40B4-BE49-F238E27FC236}">
+                <a16:creationId xmlns:a16="http://schemas.microsoft.com/office/drawing/2014/main" id="{2C90E9B9-3D1E-F232-C590-21A7FD967C2F}"/>
               </a:ext>
             </a:extLst>
           </p:cNvPr>
@@ -519,7 +508,7 @@
           <a:bodyPr/>
           <a:lstStyle/>
           <a:p>
-            <a:fld id="{433FFA6A-B5E6-456F-B915-93FD4BE84380}" type="slidenum">
+            <a:fld id="{9A68A866-CEF6-BC49-8301-43259091E3A4}" type="slidenum">
               <a:rPr lang="en-US" smtClean="0"/>
               <a:t>‹#›</a:t>
             </a:fld>
@@ -530,7 +519,7 @@
     </p:spTree>
     <p:extLst>
       <p:ext uri="{BB962C8B-B14F-4D97-AF65-F5344CB8AC3E}">
-        <p14:creationId xmlns:p14="http://schemas.microsoft.com/office/powerpoint/2010/main" val="4107766676"/>
+        <p14:creationId xmlns:p14="http://schemas.microsoft.com/office/powerpoint/2010/main" val="2948819431"/>
       </p:ext>
     </p:extLst>
   </p:cSld>
@@ -542,7 +531,7 @@
 
 <file path=ppt/slideLayouts/slideLayout11.xml><?xml version="1.0" encoding="utf-8"?>
 <p:sldLayout xmlns:a="http://schemas.openxmlformats.org/drawingml/2006/main" xmlns:r="http://schemas.openxmlformats.org/officeDocument/2006/relationships" xmlns:p="http://schemas.openxmlformats.org/presentationml/2006/main" type="vertTitleAndTx" preserve="1">
-  <p:cSld name="כותרת אנכית וטקסט">
+  <p:cSld name="Vertical Title and Text">
     <p:spTree>
       <p:nvGrpSpPr>
         <p:cNvPr id="1" name=""/>
@@ -559,10 +548,10 @@
       </p:grpSpPr>
       <p:sp>
         <p:nvSpPr>
-          <p:cNvPr id="2" name="כותרת אנכית 1">
-            <a:extLst>
-              <a:ext uri="{FF2B5EF4-FFF2-40B4-BE49-F238E27FC236}">
-                <a16:creationId xmlns:a16="http://schemas.microsoft.com/office/drawing/2014/main" id="{F9F73AF7-A642-FA31-423D-47AFE5B52650}"/>
+          <p:cNvPr id="2" name="Vertical Title 1">
+            <a:extLst>
+              <a:ext uri="{FF2B5EF4-FFF2-40B4-BE49-F238E27FC236}">
+                <a16:creationId xmlns:a16="http://schemas.microsoft.com/office/drawing/2014/main" id="{0526B7B6-A6A6-1EF6-9B17-8F4B60BFB183}"/>
               </a:ext>
             </a:extLst>
           </p:cNvPr>
@@ -584,19 +573,19 @@
           <a:lstStyle/>
           <a:p>
             <a:r>
-              <a:rPr lang="he-IL"/>
-              <a:t>לחץ כדי לערוך סגנון כותרת של תבנית בסיס</a:t>
-            </a:r>
-            <a:endParaRPr lang="en-US"/>
-          </a:p>
-        </p:txBody>
-      </p:sp>
-      <p:sp>
-        <p:nvSpPr>
-          <p:cNvPr id="3" name="מציין מיקום של טקסט אנכי 2">
-            <a:extLst>
-              <a:ext uri="{FF2B5EF4-FFF2-40B4-BE49-F238E27FC236}">
-                <a16:creationId xmlns:a16="http://schemas.microsoft.com/office/drawing/2014/main" id="{BFB0B6F3-F287-9E95-0A03-00A5AD92A4A2}"/>
+              <a:rPr lang="en-GB"/>
+              <a:t>Click to edit Master title style</a:t>
+            </a:r>
+            <a:endParaRPr lang="en-US"/>
+          </a:p>
+        </p:txBody>
+      </p:sp>
+      <p:sp>
+        <p:nvSpPr>
+          <p:cNvPr id="3" name="Vertical Text Placeholder 2">
+            <a:extLst>
+              <a:ext uri="{FF2B5EF4-FFF2-40B4-BE49-F238E27FC236}">
+                <a16:creationId xmlns:a16="http://schemas.microsoft.com/office/drawing/2014/main" id="{D357ACEF-A242-8929-B6DC-73CFB910180A}"/>
               </a:ext>
             </a:extLst>
           </p:cNvPr>
@@ -619,47 +608,47 @@
           <a:p>
             <a:pPr lvl="0"/>
             <a:r>
-              <a:rPr lang="he-IL"/>
-              <a:t>לחץ כדי לערוך סגנונות טקסט של תבנית בסיס</a:t>
+              <a:rPr lang="en-GB"/>
+              <a:t>Click to edit Master text styles</a:t>
             </a:r>
           </a:p>
           <a:p>
             <a:pPr lvl="1"/>
             <a:r>
-              <a:rPr lang="he-IL"/>
-              <a:t>רמה שנייה</a:t>
+              <a:rPr lang="en-GB"/>
+              <a:t>Second level</a:t>
             </a:r>
           </a:p>
           <a:p>
             <a:pPr lvl="2"/>
             <a:r>
-              <a:rPr lang="he-IL"/>
-              <a:t>רמה שלישית</a:t>
+              <a:rPr lang="en-GB"/>
+              <a:t>Third level</a:t>
             </a:r>
           </a:p>
           <a:p>
             <a:pPr lvl="3"/>
             <a:r>
-              <a:rPr lang="he-IL"/>
-              <a:t>רמה רביעית</a:t>
+              <a:rPr lang="en-GB"/>
+              <a:t>Fourth level</a:t>
             </a:r>
           </a:p>
           <a:p>
             <a:pPr lvl="4"/>
             <a:r>
-              <a:rPr lang="he-IL"/>
-              <a:t>רמה חמישית</a:t>
-            </a:r>
-            <a:endParaRPr lang="en-US"/>
-          </a:p>
-        </p:txBody>
-      </p:sp>
-      <p:sp>
-        <p:nvSpPr>
-          <p:cNvPr id="4" name="מציין מיקום של תאריך 3">
-            <a:extLst>
-              <a:ext uri="{FF2B5EF4-FFF2-40B4-BE49-F238E27FC236}">
-                <a16:creationId xmlns:a16="http://schemas.microsoft.com/office/drawing/2014/main" id="{AF0668CE-1D0F-BE80-A7F9-F282F6C597D9}"/>
+              <a:rPr lang="en-GB"/>
+              <a:t>Fifth level</a:t>
+            </a:r>
+            <a:endParaRPr lang="en-US"/>
+          </a:p>
+        </p:txBody>
+      </p:sp>
+      <p:sp>
+        <p:nvSpPr>
+          <p:cNvPr id="4" name="Date Placeholder 3">
+            <a:extLst>
+              <a:ext uri="{FF2B5EF4-FFF2-40B4-BE49-F238E27FC236}">
+                <a16:creationId xmlns:a16="http://schemas.microsoft.com/office/drawing/2014/main" id="{8801D659-96A5-A5B4-5176-1F8BE1571A82}"/>
               </a:ext>
             </a:extLst>
           </p:cNvPr>
@@ -675,9 +664,9 @@
           <a:bodyPr/>
           <a:lstStyle/>
           <a:p>
-            <a:fld id="{7796CE80-BFF2-471B-ABCF-30264F4004DA}" type="datetimeFigureOut">
+            <a:fld id="{9AF104AB-4E30-344B-8537-55087354975F}" type="datetimeFigureOut">
               <a:rPr lang="en-US" smtClean="0"/>
-              <a:t>4/18/25</a:t>
+              <a:t>4/19/25</a:t>
             </a:fld>
             <a:endParaRPr lang="en-US"/>
           </a:p>
@@ -685,10 +674,10 @@
       </p:sp>
       <p:sp>
         <p:nvSpPr>
-          <p:cNvPr id="5" name="מציין מיקום של כותרת תחתונה 4">
-            <a:extLst>
-              <a:ext uri="{FF2B5EF4-FFF2-40B4-BE49-F238E27FC236}">
-                <a16:creationId xmlns:a16="http://schemas.microsoft.com/office/drawing/2014/main" id="{4F2571AC-9B31-2EC4-40E4-3C3E2E01D2E5}"/>
+          <p:cNvPr id="5" name="Footer Placeholder 4">
+            <a:extLst>
+              <a:ext uri="{FF2B5EF4-FFF2-40B4-BE49-F238E27FC236}">
+                <a16:creationId xmlns:a16="http://schemas.microsoft.com/office/drawing/2014/main" id="{EB7E5834-6554-0F66-196B-B36DCD1CD115}"/>
               </a:ext>
             </a:extLst>
           </p:cNvPr>
@@ -710,10 +699,10 @@
       </p:sp>
       <p:sp>
         <p:nvSpPr>
-          <p:cNvPr id="6" name="מציין מיקום של מספר שקופית 5">
-            <a:extLst>
-              <a:ext uri="{FF2B5EF4-FFF2-40B4-BE49-F238E27FC236}">
-                <a16:creationId xmlns:a16="http://schemas.microsoft.com/office/drawing/2014/main" id="{5D329362-3943-7277-26FA-32EBF4FEDE23}"/>
+          <p:cNvPr id="6" name="Slide Number Placeholder 5">
+            <a:extLst>
+              <a:ext uri="{FF2B5EF4-FFF2-40B4-BE49-F238E27FC236}">
+                <a16:creationId xmlns:a16="http://schemas.microsoft.com/office/drawing/2014/main" id="{37E98141-D708-C41A-0ECE-9BAD6087989D}"/>
               </a:ext>
             </a:extLst>
           </p:cNvPr>
@@ -729,7 +718,7 @@
           <a:bodyPr/>
           <a:lstStyle/>
           <a:p>
-            <a:fld id="{433FFA6A-B5E6-456F-B915-93FD4BE84380}" type="slidenum">
+            <a:fld id="{9A68A866-CEF6-BC49-8301-43259091E3A4}" type="slidenum">
               <a:rPr lang="en-US" smtClean="0"/>
               <a:t>‹#›</a:t>
             </a:fld>
@@ -740,7 +729,7 @@
     </p:spTree>
     <p:extLst>
       <p:ext uri="{BB962C8B-B14F-4D97-AF65-F5344CB8AC3E}">
-        <p14:creationId xmlns:p14="http://schemas.microsoft.com/office/powerpoint/2010/main" val="4168795523"/>
+        <p14:creationId xmlns:p14="http://schemas.microsoft.com/office/powerpoint/2010/main" val="2846444650"/>
       </p:ext>
     </p:extLst>
   </p:cSld>
@@ -752,7 +741,7 @@
 
 <file path=ppt/slideLayouts/slideLayout2.xml><?xml version="1.0" encoding="utf-8"?>
 <p:sldLayout xmlns:a="http://schemas.openxmlformats.org/drawingml/2006/main" xmlns:r="http://schemas.openxmlformats.org/officeDocument/2006/relationships" xmlns:p="http://schemas.openxmlformats.org/presentationml/2006/main" type="obj" preserve="1">
-  <p:cSld name="כותרת ותוכן">
+  <p:cSld name="Title and Content">
     <p:spTree>
       <p:nvGrpSpPr>
         <p:cNvPr id="1" name=""/>
@@ -769,10 +758,10 @@
       </p:grpSpPr>
       <p:sp>
         <p:nvSpPr>
-          <p:cNvPr id="2" name="כותרת 1">
-            <a:extLst>
-              <a:ext uri="{FF2B5EF4-FFF2-40B4-BE49-F238E27FC236}">
-                <a16:creationId xmlns:a16="http://schemas.microsoft.com/office/drawing/2014/main" id="{4EA6606A-0F12-3E84-1DFB-888FF2CC3997}"/>
+          <p:cNvPr id="2" name="Title 1">
+            <a:extLst>
+              <a:ext uri="{FF2B5EF4-FFF2-40B4-BE49-F238E27FC236}">
+                <a16:creationId xmlns:a16="http://schemas.microsoft.com/office/drawing/2014/main" id="{2FEFA496-25B2-F0F2-3CBC-12646265E977}"/>
               </a:ext>
             </a:extLst>
           </p:cNvPr>
@@ -789,19 +778,19 @@
           <a:lstStyle/>
           <a:p>
             <a:r>
-              <a:rPr lang="he-IL"/>
-              <a:t>לחץ כדי לערוך סגנון כותרת של תבנית בסיס</a:t>
-            </a:r>
-            <a:endParaRPr lang="en-US"/>
-          </a:p>
-        </p:txBody>
-      </p:sp>
-      <p:sp>
-        <p:nvSpPr>
-          <p:cNvPr id="3" name="מציין מיקום תוכן 2">
-            <a:extLst>
-              <a:ext uri="{FF2B5EF4-FFF2-40B4-BE49-F238E27FC236}">
-                <a16:creationId xmlns:a16="http://schemas.microsoft.com/office/drawing/2014/main" id="{4998B7F1-F4DA-250F-538C-6EB1D7A94139}"/>
+              <a:rPr lang="en-GB"/>
+              <a:t>Click to edit Master title style</a:t>
+            </a:r>
+            <a:endParaRPr lang="en-US"/>
+          </a:p>
+        </p:txBody>
+      </p:sp>
+      <p:sp>
+        <p:nvSpPr>
+          <p:cNvPr id="3" name="Content Placeholder 2">
+            <a:extLst>
+              <a:ext uri="{FF2B5EF4-FFF2-40B4-BE49-F238E27FC236}">
+                <a16:creationId xmlns:a16="http://schemas.microsoft.com/office/drawing/2014/main" id="{3A3CD501-9672-9E35-B6FE-F526A8D2442A}"/>
               </a:ext>
             </a:extLst>
           </p:cNvPr>
@@ -819,47 +808,47 @@
           <a:p>
             <a:pPr lvl="0"/>
             <a:r>
-              <a:rPr lang="he-IL"/>
-              <a:t>לחץ כדי לערוך סגנונות טקסט של תבנית בסיס</a:t>
+              <a:rPr lang="en-GB"/>
+              <a:t>Click to edit Master text styles</a:t>
             </a:r>
           </a:p>
           <a:p>
             <a:pPr lvl="1"/>
             <a:r>
-              <a:rPr lang="he-IL"/>
-              <a:t>רמה שנייה</a:t>
+              <a:rPr lang="en-GB"/>
+              <a:t>Second level</a:t>
             </a:r>
           </a:p>
           <a:p>
             <a:pPr lvl="2"/>
             <a:r>
-              <a:rPr lang="he-IL"/>
-              <a:t>רמה שלישית</a:t>
+              <a:rPr lang="en-GB"/>
+              <a:t>Third level</a:t>
             </a:r>
           </a:p>
           <a:p>
             <a:pPr lvl="3"/>
             <a:r>
-              <a:rPr lang="he-IL"/>
-              <a:t>רמה רביעית</a:t>
+              <a:rPr lang="en-GB"/>
+              <a:t>Fourth level</a:t>
             </a:r>
           </a:p>
           <a:p>
             <a:pPr lvl="4"/>
             <a:r>
-              <a:rPr lang="he-IL"/>
-              <a:t>רמה חמישית</a:t>
-            </a:r>
-            <a:endParaRPr lang="en-US"/>
-          </a:p>
-        </p:txBody>
-      </p:sp>
-      <p:sp>
-        <p:nvSpPr>
-          <p:cNvPr id="4" name="מציין מיקום של תאריך 3">
-            <a:extLst>
-              <a:ext uri="{FF2B5EF4-FFF2-40B4-BE49-F238E27FC236}">
-                <a16:creationId xmlns:a16="http://schemas.microsoft.com/office/drawing/2014/main" id="{2752DA6A-C38D-B4EF-203F-26430A42B5CD}"/>
+              <a:rPr lang="en-GB"/>
+              <a:t>Fifth level</a:t>
+            </a:r>
+            <a:endParaRPr lang="en-US"/>
+          </a:p>
+        </p:txBody>
+      </p:sp>
+      <p:sp>
+        <p:nvSpPr>
+          <p:cNvPr id="4" name="Date Placeholder 3">
+            <a:extLst>
+              <a:ext uri="{FF2B5EF4-FFF2-40B4-BE49-F238E27FC236}">
+                <a16:creationId xmlns:a16="http://schemas.microsoft.com/office/drawing/2014/main" id="{62F09837-C99E-72F0-DBE3-EAAB0B4A1843}"/>
               </a:ext>
             </a:extLst>
           </p:cNvPr>
@@ -875,9 +864,9 @@
           <a:bodyPr/>
           <a:lstStyle/>
           <a:p>
-            <a:fld id="{7796CE80-BFF2-471B-ABCF-30264F4004DA}" type="datetimeFigureOut">
+            <a:fld id="{9AF104AB-4E30-344B-8537-55087354975F}" type="datetimeFigureOut">
               <a:rPr lang="en-US" smtClean="0"/>
-              <a:t>4/18/25</a:t>
+              <a:t>4/19/25</a:t>
             </a:fld>
             <a:endParaRPr lang="en-US"/>
           </a:p>
@@ -885,10 +874,10 @@
       </p:sp>
       <p:sp>
         <p:nvSpPr>
-          <p:cNvPr id="5" name="מציין מיקום של כותרת תחתונה 4">
-            <a:extLst>
-              <a:ext uri="{FF2B5EF4-FFF2-40B4-BE49-F238E27FC236}">
-                <a16:creationId xmlns:a16="http://schemas.microsoft.com/office/drawing/2014/main" id="{A64A4AB7-513E-CF01-5BC0-DDB032514386}"/>
+          <p:cNvPr id="5" name="Footer Placeholder 4">
+            <a:extLst>
+              <a:ext uri="{FF2B5EF4-FFF2-40B4-BE49-F238E27FC236}">
+                <a16:creationId xmlns:a16="http://schemas.microsoft.com/office/drawing/2014/main" id="{26F79CEB-4725-3771-2C0E-F1771D0E1C59}"/>
               </a:ext>
             </a:extLst>
           </p:cNvPr>
@@ -910,10 +899,10 @@
       </p:sp>
       <p:sp>
         <p:nvSpPr>
-          <p:cNvPr id="6" name="מציין מיקום של מספר שקופית 5">
-            <a:extLst>
-              <a:ext uri="{FF2B5EF4-FFF2-40B4-BE49-F238E27FC236}">
-                <a16:creationId xmlns:a16="http://schemas.microsoft.com/office/drawing/2014/main" id="{63DCC9B7-7315-A22D-ABDA-C5CF1F1C33E0}"/>
+          <p:cNvPr id="6" name="Slide Number Placeholder 5">
+            <a:extLst>
+              <a:ext uri="{FF2B5EF4-FFF2-40B4-BE49-F238E27FC236}">
+                <a16:creationId xmlns:a16="http://schemas.microsoft.com/office/drawing/2014/main" id="{17E9CE09-32DE-5DD5-D0C2-10FBEDADC52B}"/>
               </a:ext>
             </a:extLst>
           </p:cNvPr>
@@ -929,7 +918,7 @@
           <a:bodyPr/>
           <a:lstStyle/>
           <a:p>
-            <a:fld id="{433FFA6A-B5E6-456F-B915-93FD4BE84380}" type="slidenum">
+            <a:fld id="{9A68A866-CEF6-BC49-8301-43259091E3A4}" type="slidenum">
               <a:rPr lang="en-US" smtClean="0"/>
               <a:t>‹#›</a:t>
             </a:fld>
@@ -940,7 +929,7 @@
     </p:spTree>
     <p:extLst>
       <p:ext uri="{BB962C8B-B14F-4D97-AF65-F5344CB8AC3E}">
-        <p14:creationId xmlns:p14="http://schemas.microsoft.com/office/powerpoint/2010/main" val="4202591791"/>
+        <p14:creationId xmlns:p14="http://schemas.microsoft.com/office/powerpoint/2010/main" val="2457553953"/>
       </p:ext>
     </p:extLst>
   </p:cSld>
@@ -952,7 +941,7 @@
 
 <file path=ppt/slideLayouts/slideLayout3.xml><?xml version="1.0" encoding="utf-8"?>
 <p:sldLayout xmlns:a="http://schemas.openxmlformats.org/drawingml/2006/main" xmlns:r="http://schemas.openxmlformats.org/officeDocument/2006/relationships" xmlns:p="http://schemas.openxmlformats.org/presentationml/2006/main" type="secHead" preserve="1">
-  <p:cSld name="כותרת מקטע עליונה">
+  <p:cSld name="Section Header">
     <p:spTree>
       <p:nvGrpSpPr>
         <p:cNvPr id="1" name=""/>
@@ -969,10 +958,10 @@
       </p:grpSpPr>
       <p:sp>
         <p:nvSpPr>
-          <p:cNvPr id="2" name="כותרת 1">
-            <a:extLst>
-              <a:ext uri="{FF2B5EF4-FFF2-40B4-BE49-F238E27FC236}">
-                <a16:creationId xmlns:a16="http://schemas.microsoft.com/office/drawing/2014/main" id="{B689BA83-AFD6-1F77-9EAB-F154E52F198A}"/>
+          <p:cNvPr id="2" name="Title 1">
+            <a:extLst>
+              <a:ext uri="{FF2B5EF4-FFF2-40B4-BE49-F238E27FC236}">
+                <a16:creationId xmlns:a16="http://schemas.microsoft.com/office/drawing/2014/main" id="{8D3CA94A-FB98-8577-A05C-316F1EC31F53}"/>
               </a:ext>
             </a:extLst>
           </p:cNvPr>
@@ -998,19 +987,19 @@
           </a:lstStyle>
           <a:p>
             <a:r>
-              <a:rPr lang="he-IL"/>
-              <a:t>לחץ כדי לערוך סגנון כותרת של תבנית בסיס</a:t>
-            </a:r>
-            <a:endParaRPr lang="en-US"/>
-          </a:p>
-        </p:txBody>
-      </p:sp>
-      <p:sp>
-        <p:nvSpPr>
-          <p:cNvPr id="3" name="מציין מיקום טקסט 2">
-            <a:extLst>
-              <a:ext uri="{FF2B5EF4-FFF2-40B4-BE49-F238E27FC236}">
-                <a16:creationId xmlns:a16="http://schemas.microsoft.com/office/drawing/2014/main" id="{3B2990CD-1207-B4C0-D3C6-425EBD0B2BD8}"/>
+              <a:rPr lang="en-GB"/>
+              <a:t>Click to edit Master title style</a:t>
+            </a:r>
+            <a:endParaRPr lang="en-US"/>
+          </a:p>
+        </p:txBody>
+      </p:sp>
+      <p:sp>
+        <p:nvSpPr>
+          <p:cNvPr id="3" name="Text Placeholder 2">
+            <a:extLst>
+              <a:ext uri="{FF2B5EF4-FFF2-40B4-BE49-F238E27FC236}">
+                <a16:creationId xmlns:a16="http://schemas.microsoft.com/office/drawing/2014/main" id="{BCA364A8-499B-5EBD-DD96-D011267C7625}"/>
               </a:ext>
             </a:extLst>
           </p:cNvPr>
@@ -1124,18 +1113,18 @@
           <a:p>
             <a:pPr lvl="0"/>
             <a:r>
-              <a:rPr lang="he-IL"/>
-              <a:t>לחץ כדי לערוך סגנונות טקסט של תבנית בסיס</a:t>
-            </a:r>
-          </a:p>
-        </p:txBody>
-      </p:sp>
-      <p:sp>
-        <p:nvSpPr>
-          <p:cNvPr id="4" name="מציין מיקום של תאריך 3">
-            <a:extLst>
-              <a:ext uri="{FF2B5EF4-FFF2-40B4-BE49-F238E27FC236}">
-                <a16:creationId xmlns:a16="http://schemas.microsoft.com/office/drawing/2014/main" id="{08440D3F-667D-10C8-28FD-EE0EA94E891C}"/>
+              <a:rPr lang="en-GB"/>
+              <a:t>Click to edit Master text styles</a:t>
+            </a:r>
+          </a:p>
+        </p:txBody>
+      </p:sp>
+      <p:sp>
+        <p:nvSpPr>
+          <p:cNvPr id="4" name="Date Placeholder 3">
+            <a:extLst>
+              <a:ext uri="{FF2B5EF4-FFF2-40B4-BE49-F238E27FC236}">
+                <a16:creationId xmlns:a16="http://schemas.microsoft.com/office/drawing/2014/main" id="{07465627-49E1-8F8F-C21E-8CB300A20AAE}"/>
               </a:ext>
             </a:extLst>
           </p:cNvPr>
@@ -1151,9 +1140,9 @@
           <a:bodyPr/>
           <a:lstStyle/>
           <a:p>
-            <a:fld id="{7796CE80-BFF2-471B-ABCF-30264F4004DA}" type="datetimeFigureOut">
+            <a:fld id="{9AF104AB-4E30-344B-8537-55087354975F}" type="datetimeFigureOut">
               <a:rPr lang="en-US" smtClean="0"/>
-              <a:t>4/18/25</a:t>
+              <a:t>4/19/25</a:t>
             </a:fld>
             <a:endParaRPr lang="en-US"/>
           </a:p>
@@ -1161,10 +1150,10 @@
       </p:sp>
       <p:sp>
         <p:nvSpPr>
-          <p:cNvPr id="5" name="מציין מיקום של כותרת תחתונה 4">
-            <a:extLst>
-              <a:ext uri="{FF2B5EF4-FFF2-40B4-BE49-F238E27FC236}">
-                <a16:creationId xmlns:a16="http://schemas.microsoft.com/office/drawing/2014/main" id="{8950D47E-5E45-C8B2-DE01-A8C3330BF0A9}"/>
+          <p:cNvPr id="5" name="Footer Placeholder 4">
+            <a:extLst>
+              <a:ext uri="{FF2B5EF4-FFF2-40B4-BE49-F238E27FC236}">
+                <a16:creationId xmlns:a16="http://schemas.microsoft.com/office/drawing/2014/main" id="{EF2D183F-9FEC-CAFD-5361-EC0E45E61664}"/>
               </a:ext>
             </a:extLst>
           </p:cNvPr>
@@ -1186,10 +1175,10 @@
       </p:sp>
       <p:sp>
         <p:nvSpPr>
-          <p:cNvPr id="6" name="מציין מיקום של מספר שקופית 5">
-            <a:extLst>
-              <a:ext uri="{FF2B5EF4-FFF2-40B4-BE49-F238E27FC236}">
-                <a16:creationId xmlns:a16="http://schemas.microsoft.com/office/drawing/2014/main" id="{D9D89634-1C1B-0E59-58C1-AA8B18D6305E}"/>
+          <p:cNvPr id="6" name="Slide Number Placeholder 5">
+            <a:extLst>
+              <a:ext uri="{FF2B5EF4-FFF2-40B4-BE49-F238E27FC236}">
+                <a16:creationId xmlns:a16="http://schemas.microsoft.com/office/drawing/2014/main" id="{F7F07BDA-D121-758F-E0FB-4BAEFF379950}"/>
               </a:ext>
             </a:extLst>
           </p:cNvPr>
@@ -1205,7 +1194,7 @@
           <a:bodyPr/>
           <a:lstStyle/>
           <a:p>
-            <a:fld id="{433FFA6A-B5E6-456F-B915-93FD4BE84380}" type="slidenum">
+            <a:fld id="{9A68A866-CEF6-BC49-8301-43259091E3A4}" type="slidenum">
               <a:rPr lang="en-US" smtClean="0"/>
               <a:t>‹#›</a:t>
             </a:fld>
@@ -1216,7 +1205,7 @@
     </p:spTree>
     <p:extLst>
       <p:ext uri="{BB962C8B-B14F-4D97-AF65-F5344CB8AC3E}">
-        <p14:creationId xmlns:p14="http://schemas.microsoft.com/office/powerpoint/2010/main" val="3082159609"/>
+        <p14:creationId xmlns:p14="http://schemas.microsoft.com/office/powerpoint/2010/main" val="4074209941"/>
       </p:ext>
     </p:extLst>
   </p:cSld>
@@ -1228,7 +1217,7 @@
 
 <file path=ppt/slideLayouts/slideLayout4.xml><?xml version="1.0" encoding="utf-8"?>
 <p:sldLayout xmlns:a="http://schemas.openxmlformats.org/drawingml/2006/main" xmlns:r="http://schemas.openxmlformats.org/officeDocument/2006/relationships" xmlns:p="http://schemas.openxmlformats.org/presentationml/2006/main" type="twoObj" preserve="1">
-  <p:cSld name="שני תכנים">
+  <p:cSld name="Two Content">
     <p:spTree>
       <p:nvGrpSpPr>
         <p:cNvPr id="1" name=""/>
@@ -1245,10 +1234,10 @@
       </p:grpSpPr>
       <p:sp>
         <p:nvSpPr>
-          <p:cNvPr id="2" name="כותרת 1">
-            <a:extLst>
-              <a:ext uri="{FF2B5EF4-FFF2-40B4-BE49-F238E27FC236}">
-                <a16:creationId xmlns:a16="http://schemas.microsoft.com/office/drawing/2014/main" id="{5FCDD774-3D08-3E23-9065-E4F6B941B6E2}"/>
+          <p:cNvPr id="2" name="Title 1">
+            <a:extLst>
+              <a:ext uri="{FF2B5EF4-FFF2-40B4-BE49-F238E27FC236}">
+                <a16:creationId xmlns:a16="http://schemas.microsoft.com/office/drawing/2014/main" id="{B036180E-EA0E-6DB8-F897-77D44525D7E6}"/>
               </a:ext>
             </a:extLst>
           </p:cNvPr>
@@ -1265,19 +1254,19 @@
           <a:lstStyle/>
           <a:p>
             <a:r>
-              <a:rPr lang="he-IL"/>
-              <a:t>לחץ כדי לערוך סגנון כותרת של תבנית בסיס</a:t>
-            </a:r>
-            <a:endParaRPr lang="en-US"/>
-          </a:p>
-        </p:txBody>
-      </p:sp>
-      <p:sp>
-        <p:nvSpPr>
-          <p:cNvPr id="3" name="מציין מיקום תוכן 2">
-            <a:extLst>
-              <a:ext uri="{FF2B5EF4-FFF2-40B4-BE49-F238E27FC236}">
-                <a16:creationId xmlns:a16="http://schemas.microsoft.com/office/drawing/2014/main" id="{B98A279B-858A-2C42-6397-E5FDA09506FD}"/>
+              <a:rPr lang="en-GB"/>
+              <a:t>Click to edit Master title style</a:t>
+            </a:r>
+            <a:endParaRPr lang="en-US"/>
+          </a:p>
+        </p:txBody>
+      </p:sp>
+      <p:sp>
+        <p:nvSpPr>
+          <p:cNvPr id="3" name="Content Placeholder 2">
+            <a:extLst>
+              <a:ext uri="{FF2B5EF4-FFF2-40B4-BE49-F238E27FC236}">
+                <a16:creationId xmlns:a16="http://schemas.microsoft.com/office/drawing/2014/main" id="{9F55CA1C-8950-455A-D41D-D2B60BA7F3E4}"/>
               </a:ext>
             </a:extLst>
           </p:cNvPr>
@@ -1300,47 +1289,47 @@
           <a:p>
             <a:pPr lvl="0"/>
             <a:r>
-              <a:rPr lang="he-IL"/>
-              <a:t>לחץ כדי לערוך סגנונות טקסט של תבנית בסיס</a:t>
+              <a:rPr lang="en-GB"/>
+              <a:t>Click to edit Master text styles</a:t>
             </a:r>
           </a:p>
           <a:p>
             <a:pPr lvl="1"/>
             <a:r>
-              <a:rPr lang="he-IL"/>
-              <a:t>רמה שנייה</a:t>
+              <a:rPr lang="en-GB"/>
+              <a:t>Second level</a:t>
             </a:r>
           </a:p>
           <a:p>
             <a:pPr lvl="2"/>
             <a:r>
-              <a:rPr lang="he-IL"/>
-              <a:t>רמה שלישית</a:t>
+              <a:rPr lang="en-GB"/>
+              <a:t>Third level</a:t>
             </a:r>
           </a:p>
           <a:p>
             <a:pPr lvl="3"/>
             <a:r>
-              <a:rPr lang="he-IL"/>
-              <a:t>רמה רביעית</a:t>
+              <a:rPr lang="en-GB"/>
+              <a:t>Fourth level</a:t>
             </a:r>
           </a:p>
           <a:p>
             <a:pPr lvl="4"/>
             <a:r>
-              <a:rPr lang="he-IL"/>
-              <a:t>רמה חמישית</a:t>
-            </a:r>
-            <a:endParaRPr lang="en-US"/>
-          </a:p>
-        </p:txBody>
-      </p:sp>
-      <p:sp>
-        <p:nvSpPr>
-          <p:cNvPr id="4" name="מציין מיקום תוכן 3">
-            <a:extLst>
-              <a:ext uri="{FF2B5EF4-FFF2-40B4-BE49-F238E27FC236}">
-                <a16:creationId xmlns:a16="http://schemas.microsoft.com/office/drawing/2014/main" id="{77EF39B7-1E0D-86A8-64C1-7F0DA6CE6E94}"/>
+              <a:rPr lang="en-GB"/>
+              <a:t>Fifth level</a:t>
+            </a:r>
+            <a:endParaRPr lang="en-US"/>
+          </a:p>
+        </p:txBody>
+      </p:sp>
+      <p:sp>
+        <p:nvSpPr>
+          <p:cNvPr id="4" name="Content Placeholder 3">
+            <a:extLst>
+              <a:ext uri="{FF2B5EF4-FFF2-40B4-BE49-F238E27FC236}">
+                <a16:creationId xmlns:a16="http://schemas.microsoft.com/office/drawing/2014/main" id="{7C6A4AA0-0056-6FA8-8DDE-A3D511E9AF9F}"/>
               </a:ext>
             </a:extLst>
           </p:cNvPr>
@@ -1363,47 +1352,47 @@
           <a:p>
             <a:pPr lvl="0"/>
             <a:r>
-              <a:rPr lang="he-IL"/>
-              <a:t>לחץ כדי לערוך סגנונות טקסט של תבנית בסיס</a:t>
+              <a:rPr lang="en-GB"/>
+              <a:t>Click to edit Master text styles</a:t>
             </a:r>
           </a:p>
           <a:p>
             <a:pPr lvl="1"/>
             <a:r>
-              <a:rPr lang="he-IL"/>
-              <a:t>רמה שנייה</a:t>
+              <a:rPr lang="en-GB"/>
+              <a:t>Second level</a:t>
             </a:r>
           </a:p>
           <a:p>
             <a:pPr lvl="2"/>
             <a:r>
-              <a:rPr lang="he-IL"/>
-              <a:t>רמה שלישית</a:t>
+              <a:rPr lang="en-GB"/>
+              <a:t>Third level</a:t>
             </a:r>
           </a:p>
           <a:p>
             <a:pPr lvl="3"/>
             <a:r>
-              <a:rPr lang="he-IL"/>
-              <a:t>רמה רביעית</a:t>
+              <a:rPr lang="en-GB"/>
+              <a:t>Fourth level</a:t>
             </a:r>
           </a:p>
           <a:p>
             <a:pPr lvl="4"/>
             <a:r>
-              <a:rPr lang="he-IL"/>
-              <a:t>רמה חמישית</a:t>
-            </a:r>
-            <a:endParaRPr lang="en-US"/>
-          </a:p>
-        </p:txBody>
-      </p:sp>
-      <p:sp>
-        <p:nvSpPr>
-          <p:cNvPr id="5" name="מציין מיקום של תאריך 4">
-            <a:extLst>
-              <a:ext uri="{FF2B5EF4-FFF2-40B4-BE49-F238E27FC236}">
-                <a16:creationId xmlns:a16="http://schemas.microsoft.com/office/drawing/2014/main" id="{7B3DB511-80C8-CAE1-4291-677A1CB2D41F}"/>
+              <a:rPr lang="en-GB"/>
+              <a:t>Fifth level</a:t>
+            </a:r>
+            <a:endParaRPr lang="en-US"/>
+          </a:p>
+        </p:txBody>
+      </p:sp>
+      <p:sp>
+        <p:nvSpPr>
+          <p:cNvPr id="5" name="Date Placeholder 4">
+            <a:extLst>
+              <a:ext uri="{FF2B5EF4-FFF2-40B4-BE49-F238E27FC236}">
+                <a16:creationId xmlns:a16="http://schemas.microsoft.com/office/drawing/2014/main" id="{60F51739-3EAE-ED75-68B2-11DCC0E1E87B}"/>
               </a:ext>
             </a:extLst>
           </p:cNvPr>
@@ -1419,9 +1408,9 @@
           <a:bodyPr/>
           <a:lstStyle/>
           <a:p>
-            <a:fld id="{7796CE80-BFF2-471B-ABCF-30264F4004DA}" type="datetimeFigureOut">
+            <a:fld id="{9AF104AB-4E30-344B-8537-55087354975F}" type="datetimeFigureOut">
               <a:rPr lang="en-US" smtClean="0"/>
-              <a:t>4/18/25</a:t>
+              <a:t>4/19/25</a:t>
             </a:fld>
             <a:endParaRPr lang="en-US"/>
           </a:p>
@@ -1429,10 +1418,10 @@
       </p:sp>
       <p:sp>
         <p:nvSpPr>
-          <p:cNvPr id="6" name="מציין מיקום של כותרת תחתונה 5">
-            <a:extLst>
-              <a:ext uri="{FF2B5EF4-FFF2-40B4-BE49-F238E27FC236}">
-                <a16:creationId xmlns:a16="http://schemas.microsoft.com/office/drawing/2014/main" id="{3941A5C6-FBAC-BB74-240C-ABA9C1F02AB6}"/>
+          <p:cNvPr id="6" name="Footer Placeholder 5">
+            <a:extLst>
+              <a:ext uri="{FF2B5EF4-FFF2-40B4-BE49-F238E27FC236}">
+                <a16:creationId xmlns:a16="http://schemas.microsoft.com/office/drawing/2014/main" id="{314C2311-1ED0-9A51-26C2-6794ED89CD80}"/>
               </a:ext>
             </a:extLst>
           </p:cNvPr>
@@ -1454,10 +1443,10 @@
       </p:sp>
       <p:sp>
         <p:nvSpPr>
-          <p:cNvPr id="7" name="מציין מיקום של מספר שקופית 6">
-            <a:extLst>
-              <a:ext uri="{FF2B5EF4-FFF2-40B4-BE49-F238E27FC236}">
-                <a16:creationId xmlns:a16="http://schemas.microsoft.com/office/drawing/2014/main" id="{43DED354-268B-3B84-E0D3-AD3CFB866342}"/>
+          <p:cNvPr id="7" name="Slide Number Placeholder 6">
+            <a:extLst>
+              <a:ext uri="{FF2B5EF4-FFF2-40B4-BE49-F238E27FC236}">
+                <a16:creationId xmlns:a16="http://schemas.microsoft.com/office/drawing/2014/main" id="{623B9787-063C-897A-78EE-965FB1EF5C1E}"/>
               </a:ext>
             </a:extLst>
           </p:cNvPr>
@@ -1473,7 +1462,7 @@
           <a:bodyPr/>
           <a:lstStyle/>
           <a:p>
-            <a:fld id="{433FFA6A-B5E6-456F-B915-93FD4BE84380}" type="slidenum">
+            <a:fld id="{9A68A866-CEF6-BC49-8301-43259091E3A4}" type="slidenum">
               <a:rPr lang="en-US" smtClean="0"/>
               <a:t>‹#›</a:t>
             </a:fld>
@@ -1484,7 +1473,7 @@
     </p:spTree>
     <p:extLst>
       <p:ext uri="{BB962C8B-B14F-4D97-AF65-F5344CB8AC3E}">
-        <p14:creationId xmlns:p14="http://schemas.microsoft.com/office/powerpoint/2010/main" val="3364532801"/>
+        <p14:creationId xmlns:p14="http://schemas.microsoft.com/office/powerpoint/2010/main" val="1582026118"/>
       </p:ext>
     </p:extLst>
   </p:cSld>
@@ -1496,7 +1485,7 @@
 
 <file path=ppt/slideLayouts/slideLayout5.xml><?xml version="1.0" encoding="utf-8"?>
 <p:sldLayout xmlns:a="http://schemas.openxmlformats.org/drawingml/2006/main" xmlns:r="http://schemas.openxmlformats.org/officeDocument/2006/relationships" xmlns:p="http://schemas.openxmlformats.org/presentationml/2006/main" type="twoTxTwoObj" preserve="1">
-  <p:cSld name="השוואה">
+  <p:cSld name="Comparison">
     <p:spTree>
       <p:nvGrpSpPr>
         <p:cNvPr id="1" name=""/>
@@ -1513,10 +1502,10 @@
       </p:grpSpPr>
       <p:sp>
         <p:nvSpPr>
-          <p:cNvPr id="2" name="כותרת 1">
-            <a:extLst>
-              <a:ext uri="{FF2B5EF4-FFF2-40B4-BE49-F238E27FC236}">
-                <a16:creationId xmlns:a16="http://schemas.microsoft.com/office/drawing/2014/main" id="{A61BD497-602F-9019-DA25-F9704329E216}"/>
+          <p:cNvPr id="2" name="Title 1">
+            <a:extLst>
+              <a:ext uri="{FF2B5EF4-FFF2-40B4-BE49-F238E27FC236}">
+                <a16:creationId xmlns:a16="http://schemas.microsoft.com/office/drawing/2014/main" id="{051EB8C0-EC51-6A06-A504-10C577106CEB}"/>
               </a:ext>
             </a:extLst>
           </p:cNvPr>
@@ -1538,19 +1527,19 @@
           <a:lstStyle/>
           <a:p>
             <a:r>
-              <a:rPr lang="he-IL"/>
-              <a:t>לחץ כדי לערוך סגנון כותרת של תבנית בסיס</a:t>
-            </a:r>
-            <a:endParaRPr lang="en-US"/>
-          </a:p>
-        </p:txBody>
-      </p:sp>
-      <p:sp>
-        <p:nvSpPr>
-          <p:cNvPr id="3" name="מציין מיקום טקסט 2">
-            <a:extLst>
-              <a:ext uri="{FF2B5EF4-FFF2-40B4-BE49-F238E27FC236}">
-                <a16:creationId xmlns:a16="http://schemas.microsoft.com/office/drawing/2014/main" id="{9AC61F26-953B-BCA5-1D5D-ED08058BDDD6}"/>
+              <a:rPr lang="en-GB"/>
+              <a:t>Click to edit Master title style</a:t>
+            </a:r>
+            <a:endParaRPr lang="en-US"/>
+          </a:p>
+        </p:txBody>
+      </p:sp>
+      <p:sp>
+        <p:nvSpPr>
+          <p:cNvPr id="3" name="Text Placeholder 2">
+            <a:extLst>
+              <a:ext uri="{FF2B5EF4-FFF2-40B4-BE49-F238E27FC236}">
+                <a16:creationId xmlns:a16="http://schemas.microsoft.com/office/drawing/2014/main" id="{80D95B85-EAB8-C26E-BCE3-E65204A755C7}"/>
               </a:ext>
             </a:extLst>
           </p:cNvPr>
@@ -1610,18 +1599,18 @@
           <a:p>
             <a:pPr lvl="0"/>
             <a:r>
-              <a:rPr lang="he-IL"/>
-              <a:t>לחץ כדי לערוך סגנונות טקסט של תבנית בסיס</a:t>
-            </a:r>
-          </a:p>
-        </p:txBody>
-      </p:sp>
-      <p:sp>
-        <p:nvSpPr>
-          <p:cNvPr id="4" name="מציין מיקום תוכן 3">
-            <a:extLst>
-              <a:ext uri="{FF2B5EF4-FFF2-40B4-BE49-F238E27FC236}">
-                <a16:creationId xmlns:a16="http://schemas.microsoft.com/office/drawing/2014/main" id="{8E8DD486-DBDC-6F68-47FD-3A50C826A1A7}"/>
+              <a:rPr lang="en-GB"/>
+              <a:t>Click to edit Master text styles</a:t>
+            </a:r>
+          </a:p>
+        </p:txBody>
+      </p:sp>
+      <p:sp>
+        <p:nvSpPr>
+          <p:cNvPr id="4" name="Content Placeholder 3">
+            <a:extLst>
+              <a:ext uri="{FF2B5EF4-FFF2-40B4-BE49-F238E27FC236}">
+                <a16:creationId xmlns:a16="http://schemas.microsoft.com/office/drawing/2014/main" id="{2FF316A9-78CE-7B83-E5C5-60E1A89A9388}"/>
               </a:ext>
             </a:extLst>
           </p:cNvPr>
@@ -1644,47 +1633,47 @@
           <a:p>
             <a:pPr lvl="0"/>
             <a:r>
-              <a:rPr lang="he-IL"/>
-              <a:t>לחץ כדי לערוך סגנונות טקסט של תבנית בסיס</a:t>
+              <a:rPr lang="en-GB"/>
+              <a:t>Click to edit Master text styles</a:t>
             </a:r>
           </a:p>
           <a:p>
             <a:pPr lvl="1"/>
             <a:r>
-              <a:rPr lang="he-IL"/>
-              <a:t>רמה שנייה</a:t>
+              <a:rPr lang="en-GB"/>
+              <a:t>Second level</a:t>
             </a:r>
           </a:p>
           <a:p>
             <a:pPr lvl="2"/>
             <a:r>
-              <a:rPr lang="he-IL"/>
-              <a:t>רמה שלישית</a:t>
+              <a:rPr lang="en-GB"/>
+              <a:t>Third level</a:t>
             </a:r>
           </a:p>
           <a:p>
             <a:pPr lvl="3"/>
             <a:r>
-              <a:rPr lang="he-IL"/>
-              <a:t>רמה רביעית</a:t>
+              <a:rPr lang="en-GB"/>
+              <a:t>Fourth level</a:t>
             </a:r>
           </a:p>
           <a:p>
             <a:pPr lvl="4"/>
             <a:r>
-              <a:rPr lang="he-IL"/>
-              <a:t>רמה חמישית</a:t>
-            </a:r>
-            <a:endParaRPr lang="en-US"/>
-          </a:p>
-        </p:txBody>
-      </p:sp>
-      <p:sp>
-        <p:nvSpPr>
-          <p:cNvPr id="5" name="מציין מיקום טקסט 4">
-            <a:extLst>
-              <a:ext uri="{FF2B5EF4-FFF2-40B4-BE49-F238E27FC236}">
-                <a16:creationId xmlns:a16="http://schemas.microsoft.com/office/drawing/2014/main" id="{DCBBF3E6-B62E-D586-A5AA-32E72696B7CB}"/>
+              <a:rPr lang="en-GB"/>
+              <a:t>Fifth level</a:t>
+            </a:r>
+            <a:endParaRPr lang="en-US"/>
+          </a:p>
+        </p:txBody>
+      </p:sp>
+      <p:sp>
+        <p:nvSpPr>
+          <p:cNvPr id="5" name="Text Placeholder 4">
+            <a:extLst>
+              <a:ext uri="{FF2B5EF4-FFF2-40B4-BE49-F238E27FC236}">
+                <a16:creationId xmlns:a16="http://schemas.microsoft.com/office/drawing/2014/main" id="{165132C6-B1D1-568E-65B2-719284F65777}"/>
               </a:ext>
             </a:extLst>
           </p:cNvPr>
@@ -1744,18 +1733,18 @@
           <a:p>
             <a:pPr lvl="0"/>
             <a:r>
-              <a:rPr lang="he-IL"/>
-              <a:t>לחץ כדי לערוך סגנונות טקסט של תבנית בסיס</a:t>
-            </a:r>
-          </a:p>
-        </p:txBody>
-      </p:sp>
-      <p:sp>
-        <p:nvSpPr>
-          <p:cNvPr id="6" name="מציין מיקום תוכן 5">
-            <a:extLst>
-              <a:ext uri="{FF2B5EF4-FFF2-40B4-BE49-F238E27FC236}">
-                <a16:creationId xmlns:a16="http://schemas.microsoft.com/office/drawing/2014/main" id="{4FFA3787-2664-7547-9295-1851E1628627}"/>
+              <a:rPr lang="en-GB"/>
+              <a:t>Click to edit Master text styles</a:t>
+            </a:r>
+          </a:p>
+        </p:txBody>
+      </p:sp>
+      <p:sp>
+        <p:nvSpPr>
+          <p:cNvPr id="6" name="Content Placeholder 5">
+            <a:extLst>
+              <a:ext uri="{FF2B5EF4-FFF2-40B4-BE49-F238E27FC236}">
+                <a16:creationId xmlns:a16="http://schemas.microsoft.com/office/drawing/2014/main" id="{1C52816C-7323-834F-472B-14ACC76EAE97}"/>
               </a:ext>
             </a:extLst>
           </p:cNvPr>
@@ -1778,47 +1767,47 @@
           <a:p>
             <a:pPr lvl="0"/>
             <a:r>
-              <a:rPr lang="he-IL"/>
-              <a:t>לחץ כדי לערוך סגנונות טקסט של תבנית בסיס</a:t>
+              <a:rPr lang="en-GB"/>
+              <a:t>Click to edit Master text styles</a:t>
             </a:r>
           </a:p>
           <a:p>
             <a:pPr lvl="1"/>
             <a:r>
-              <a:rPr lang="he-IL"/>
-              <a:t>רמה שנייה</a:t>
+              <a:rPr lang="en-GB"/>
+              <a:t>Second level</a:t>
             </a:r>
           </a:p>
           <a:p>
             <a:pPr lvl="2"/>
             <a:r>
-              <a:rPr lang="he-IL"/>
-              <a:t>רמה שלישית</a:t>
+              <a:rPr lang="en-GB"/>
+              <a:t>Third level</a:t>
             </a:r>
           </a:p>
           <a:p>
             <a:pPr lvl="3"/>
             <a:r>
-              <a:rPr lang="he-IL"/>
-              <a:t>רמה רביעית</a:t>
+              <a:rPr lang="en-GB"/>
+              <a:t>Fourth level</a:t>
             </a:r>
           </a:p>
           <a:p>
             <a:pPr lvl="4"/>
             <a:r>
-              <a:rPr lang="he-IL"/>
-              <a:t>רמה חמישית</a:t>
-            </a:r>
-            <a:endParaRPr lang="en-US"/>
-          </a:p>
-        </p:txBody>
-      </p:sp>
-      <p:sp>
-        <p:nvSpPr>
-          <p:cNvPr id="7" name="מציין מיקום של תאריך 6">
-            <a:extLst>
-              <a:ext uri="{FF2B5EF4-FFF2-40B4-BE49-F238E27FC236}">
-                <a16:creationId xmlns:a16="http://schemas.microsoft.com/office/drawing/2014/main" id="{72BF4C26-41DA-32D4-8E2B-296C61890A6E}"/>
+              <a:rPr lang="en-GB"/>
+              <a:t>Fifth level</a:t>
+            </a:r>
+            <a:endParaRPr lang="en-US"/>
+          </a:p>
+        </p:txBody>
+      </p:sp>
+      <p:sp>
+        <p:nvSpPr>
+          <p:cNvPr id="7" name="Date Placeholder 6">
+            <a:extLst>
+              <a:ext uri="{FF2B5EF4-FFF2-40B4-BE49-F238E27FC236}">
+                <a16:creationId xmlns:a16="http://schemas.microsoft.com/office/drawing/2014/main" id="{A093CB00-5790-2C70-8772-57648AE1E7CB}"/>
               </a:ext>
             </a:extLst>
           </p:cNvPr>
@@ -1834,9 +1823,9 @@
           <a:bodyPr/>
           <a:lstStyle/>
           <a:p>
-            <a:fld id="{7796CE80-BFF2-471B-ABCF-30264F4004DA}" type="datetimeFigureOut">
+            <a:fld id="{9AF104AB-4E30-344B-8537-55087354975F}" type="datetimeFigureOut">
               <a:rPr lang="en-US" smtClean="0"/>
-              <a:t>4/18/25</a:t>
+              <a:t>4/19/25</a:t>
             </a:fld>
             <a:endParaRPr lang="en-US"/>
           </a:p>
@@ -1844,10 +1833,10 @@
       </p:sp>
       <p:sp>
         <p:nvSpPr>
-          <p:cNvPr id="8" name="מציין מיקום של כותרת תחתונה 7">
-            <a:extLst>
-              <a:ext uri="{FF2B5EF4-FFF2-40B4-BE49-F238E27FC236}">
-                <a16:creationId xmlns:a16="http://schemas.microsoft.com/office/drawing/2014/main" id="{99D84C3F-8379-B8D0-F8AF-A811CAC9227E}"/>
+          <p:cNvPr id="8" name="Footer Placeholder 7">
+            <a:extLst>
+              <a:ext uri="{FF2B5EF4-FFF2-40B4-BE49-F238E27FC236}">
+                <a16:creationId xmlns:a16="http://schemas.microsoft.com/office/drawing/2014/main" id="{9DE2115F-88DD-3236-3B76-97E24831659A}"/>
               </a:ext>
             </a:extLst>
           </p:cNvPr>
@@ -1869,10 +1858,10 @@
       </p:sp>
       <p:sp>
         <p:nvSpPr>
-          <p:cNvPr id="9" name="מציין מיקום של מספר שקופית 8">
-            <a:extLst>
-              <a:ext uri="{FF2B5EF4-FFF2-40B4-BE49-F238E27FC236}">
-                <a16:creationId xmlns:a16="http://schemas.microsoft.com/office/drawing/2014/main" id="{CA1295FD-205F-3964-76E0-BEDDA5AC56D7}"/>
+          <p:cNvPr id="9" name="Slide Number Placeholder 8">
+            <a:extLst>
+              <a:ext uri="{FF2B5EF4-FFF2-40B4-BE49-F238E27FC236}">
+                <a16:creationId xmlns:a16="http://schemas.microsoft.com/office/drawing/2014/main" id="{C21DD73F-5EBD-F136-555F-2FE7C808510E}"/>
               </a:ext>
             </a:extLst>
           </p:cNvPr>
@@ -1888,7 +1877,7 @@
           <a:bodyPr/>
           <a:lstStyle/>
           <a:p>
-            <a:fld id="{433FFA6A-B5E6-456F-B915-93FD4BE84380}" type="slidenum">
+            <a:fld id="{9A68A866-CEF6-BC49-8301-43259091E3A4}" type="slidenum">
               <a:rPr lang="en-US" smtClean="0"/>
               <a:t>‹#›</a:t>
             </a:fld>
@@ -1899,7 +1888,7 @@
     </p:spTree>
     <p:extLst>
       <p:ext uri="{BB962C8B-B14F-4D97-AF65-F5344CB8AC3E}">
-        <p14:creationId xmlns:p14="http://schemas.microsoft.com/office/powerpoint/2010/main" val="1755295287"/>
+        <p14:creationId xmlns:p14="http://schemas.microsoft.com/office/powerpoint/2010/main" val="3125529263"/>
       </p:ext>
     </p:extLst>
   </p:cSld>
@@ -1911,7 +1900,7 @@
 
 <file path=ppt/slideLayouts/slideLayout6.xml><?xml version="1.0" encoding="utf-8"?>
 <p:sldLayout xmlns:a="http://schemas.openxmlformats.org/drawingml/2006/main" xmlns:r="http://schemas.openxmlformats.org/officeDocument/2006/relationships" xmlns:p="http://schemas.openxmlformats.org/presentationml/2006/main" type="titleOnly" preserve="1">
-  <p:cSld name="כותרת בלבד">
+  <p:cSld name="Title Only">
     <p:spTree>
       <p:nvGrpSpPr>
         <p:cNvPr id="1" name=""/>
@@ -1928,10 +1917,10 @@
       </p:grpSpPr>
       <p:sp>
         <p:nvSpPr>
-          <p:cNvPr id="2" name="כותרת 1">
-            <a:extLst>
-              <a:ext uri="{FF2B5EF4-FFF2-40B4-BE49-F238E27FC236}">
-                <a16:creationId xmlns:a16="http://schemas.microsoft.com/office/drawing/2014/main" id="{FB91096A-8712-6FD8-279B-49BF97A9C7E9}"/>
+          <p:cNvPr id="2" name="Title 1">
+            <a:extLst>
+              <a:ext uri="{FF2B5EF4-FFF2-40B4-BE49-F238E27FC236}">
+                <a16:creationId xmlns:a16="http://schemas.microsoft.com/office/drawing/2014/main" id="{7F8C37E3-34CE-17FC-897A-2C8B457BC10F}"/>
               </a:ext>
             </a:extLst>
           </p:cNvPr>
@@ -1948,19 +1937,19 @@
           <a:lstStyle/>
           <a:p>
             <a:r>
-              <a:rPr lang="he-IL"/>
-              <a:t>לחץ כדי לערוך סגנון כותרת של תבנית בסיס</a:t>
-            </a:r>
-            <a:endParaRPr lang="en-US"/>
-          </a:p>
-        </p:txBody>
-      </p:sp>
-      <p:sp>
-        <p:nvSpPr>
-          <p:cNvPr id="3" name="מציין מיקום של תאריך 2">
-            <a:extLst>
-              <a:ext uri="{FF2B5EF4-FFF2-40B4-BE49-F238E27FC236}">
-                <a16:creationId xmlns:a16="http://schemas.microsoft.com/office/drawing/2014/main" id="{F732F9F5-79DF-DDBB-CA71-F4F864F5371D}"/>
+              <a:rPr lang="en-GB"/>
+              <a:t>Click to edit Master title style</a:t>
+            </a:r>
+            <a:endParaRPr lang="en-US"/>
+          </a:p>
+        </p:txBody>
+      </p:sp>
+      <p:sp>
+        <p:nvSpPr>
+          <p:cNvPr id="3" name="Date Placeholder 2">
+            <a:extLst>
+              <a:ext uri="{FF2B5EF4-FFF2-40B4-BE49-F238E27FC236}">
+                <a16:creationId xmlns:a16="http://schemas.microsoft.com/office/drawing/2014/main" id="{2108F2D9-0CD7-C08B-95F5-67104F96DDD6}"/>
               </a:ext>
             </a:extLst>
           </p:cNvPr>
@@ -1976,9 +1965,9 @@
           <a:bodyPr/>
           <a:lstStyle/>
           <a:p>
-            <a:fld id="{7796CE80-BFF2-471B-ABCF-30264F4004DA}" type="datetimeFigureOut">
+            <a:fld id="{9AF104AB-4E30-344B-8537-55087354975F}" type="datetimeFigureOut">
               <a:rPr lang="en-US" smtClean="0"/>
-              <a:t>4/18/25</a:t>
+              <a:t>4/19/25</a:t>
             </a:fld>
             <a:endParaRPr lang="en-US"/>
           </a:p>
@@ -1986,10 +1975,10 @@
       </p:sp>
       <p:sp>
         <p:nvSpPr>
-          <p:cNvPr id="4" name="מציין מיקום של כותרת תחתונה 3">
-            <a:extLst>
-              <a:ext uri="{FF2B5EF4-FFF2-40B4-BE49-F238E27FC236}">
-                <a16:creationId xmlns:a16="http://schemas.microsoft.com/office/drawing/2014/main" id="{7E97084A-F170-4C3D-3B21-3B0B3D00D513}"/>
+          <p:cNvPr id="4" name="Footer Placeholder 3">
+            <a:extLst>
+              <a:ext uri="{FF2B5EF4-FFF2-40B4-BE49-F238E27FC236}">
+                <a16:creationId xmlns:a16="http://schemas.microsoft.com/office/drawing/2014/main" id="{F9FA270D-D636-6A45-93DF-A533EFBBDBEC}"/>
               </a:ext>
             </a:extLst>
           </p:cNvPr>
@@ -2011,10 +2000,10 @@
       </p:sp>
       <p:sp>
         <p:nvSpPr>
-          <p:cNvPr id="5" name="מציין מיקום של מספר שקופית 4">
-            <a:extLst>
-              <a:ext uri="{FF2B5EF4-FFF2-40B4-BE49-F238E27FC236}">
-                <a16:creationId xmlns:a16="http://schemas.microsoft.com/office/drawing/2014/main" id="{C1D18939-2F35-751D-9368-AB8F7790FD5F}"/>
+          <p:cNvPr id="5" name="Slide Number Placeholder 4">
+            <a:extLst>
+              <a:ext uri="{FF2B5EF4-FFF2-40B4-BE49-F238E27FC236}">
+                <a16:creationId xmlns:a16="http://schemas.microsoft.com/office/drawing/2014/main" id="{F2F3083E-9FA8-8808-3F73-280B69D1F29C}"/>
               </a:ext>
             </a:extLst>
           </p:cNvPr>
@@ -2030,7 +2019,7 @@
           <a:bodyPr/>
           <a:lstStyle/>
           <a:p>
-            <a:fld id="{433FFA6A-B5E6-456F-B915-93FD4BE84380}" type="slidenum">
+            <a:fld id="{9A68A866-CEF6-BC49-8301-43259091E3A4}" type="slidenum">
               <a:rPr lang="en-US" smtClean="0"/>
               <a:t>‹#›</a:t>
             </a:fld>
@@ -2041,7 +2030,7 @@
     </p:spTree>
     <p:extLst>
       <p:ext uri="{BB962C8B-B14F-4D97-AF65-F5344CB8AC3E}">
-        <p14:creationId xmlns:p14="http://schemas.microsoft.com/office/powerpoint/2010/main" val="955775015"/>
+        <p14:creationId xmlns:p14="http://schemas.microsoft.com/office/powerpoint/2010/main" val="1358377198"/>
       </p:ext>
     </p:extLst>
   </p:cSld>
@@ -2053,7 +2042,7 @@
 
 <file path=ppt/slideLayouts/slideLayout7.xml><?xml version="1.0" encoding="utf-8"?>
 <p:sldLayout xmlns:a="http://schemas.openxmlformats.org/drawingml/2006/main" xmlns:r="http://schemas.openxmlformats.org/officeDocument/2006/relationships" xmlns:p="http://schemas.openxmlformats.org/presentationml/2006/main" type="blank" preserve="1">
-  <p:cSld name="ריק">
+  <p:cSld name="Blank">
     <p:spTree>
       <p:nvGrpSpPr>
         <p:cNvPr id="1" name=""/>
@@ -2070,10 +2059,10 @@
       </p:grpSpPr>
       <p:sp>
         <p:nvSpPr>
-          <p:cNvPr id="2" name="מציין מיקום של תאריך 1">
-            <a:extLst>
-              <a:ext uri="{FF2B5EF4-FFF2-40B4-BE49-F238E27FC236}">
-                <a16:creationId xmlns:a16="http://schemas.microsoft.com/office/drawing/2014/main" id="{79228042-1EBF-5D03-7657-4A365FFE59E5}"/>
+          <p:cNvPr id="2" name="Date Placeholder 1">
+            <a:extLst>
+              <a:ext uri="{FF2B5EF4-FFF2-40B4-BE49-F238E27FC236}">
+                <a16:creationId xmlns:a16="http://schemas.microsoft.com/office/drawing/2014/main" id="{A46F951B-7560-E6F6-911C-83C3FD8000DF}"/>
               </a:ext>
             </a:extLst>
           </p:cNvPr>
@@ -2089,9 +2078,9 @@
           <a:bodyPr/>
           <a:lstStyle/>
           <a:p>
-            <a:fld id="{7796CE80-BFF2-471B-ABCF-30264F4004DA}" type="datetimeFigureOut">
+            <a:fld id="{9AF104AB-4E30-344B-8537-55087354975F}" type="datetimeFigureOut">
               <a:rPr lang="en-US" smtClean="0"/>
-              <a:t>4/18/25</a:t>
+              <a:t>4/19/25</a:t>
             </a:fld>
             <a:endParaRPr lang="en-US"/>
           </a:p>
@@ -2099,10 +2088,10 @@
       </p:sp>
       <p:sp>
         <p:nvSpPr>
-          <p:cNvPr id="3" name="מציין מיקום של כותרת תחתונה 2">
-            <a:extLst>
-              <a:ext uri="{FF2B5EF4-FFF2-40B4-BE49-F238E27FC236}">
-                <a16:creationId xmlns:a16="http://schemas.microsoft.com/office/drawing/2014/main" id="{14B0AEEB-A90F-9380-88F9-1731AFEAB739}"/>
+          <p:cNvPr id="3" name="Footer Placeholder 2">
+            <a:extLst>
+              <a:ext uri="{FF2B5EF4-FFF2-40B4-BE49-F238E27FC236}">
+                <a16:creationId xmlns:a16="http://schemas.microsoft.com/office/drawing/2014/main" id="{8E722642-A38A-4DE0-1110-696FED22CECA}"/>
               </a:ext>
             </a:extLst>
           </p:cNvPr>
@@ -2124,10 +2113,10 @@
       </p:sp>
       <p:sp>
         <p:nvSpPr>
-          <p:cNvPr id="4" name="מציין מיקום של מספר שקופית 3">
-            <a:extLst>
-              <a:ext uri="{FF2B5EF4-FFF2-40B4-BE49-F238E27FC236}">
-                <a16:creationId xmlns:a16="http://schemas.microsoft.com/office/drawing/2014/main" id="{3CBFF5A1-5616-E624-6E21-97E0AA56F790}"/>
+          <p:cNvPr id="4" name="Slide Number Placeholder 3">
+            <a:extLst>
+              <a:ext uri="{FF2B5EF4-FFF2-40B4-BE49-F238E27FC236}">
+                <a16:creationId xmlns:a16="http://schemas.microsoft.com/office/drawing/2014/main" id="{EDA030BB-62AB-FCDE-033F-57B523CB727B}"/>
               </a:ext>
             </a:extLst>
           </p:cNvPr>
@@ -2143,7 +2132,7 @@
           <a:bodyPr/>
           <a:lstStyle/>
           <a:p>
-            <a:fld id="{433FFA6A-B5E6-456F-B915-93FD4BE84380}" type="slidenum">
+            <a:fld id="{9A68A866-CEF6-BC49-8301-43259091E3A4}" type="slidenum">
               <a:rPr lang="en-US" smtClean="0"/>
               <a:t>‹#›</a:t>
             </a:fld>
@@ -2154,7 +2143,7 @@
     </p:spTree>
     <p:extLst>
       <p:ext uri="{BB962C8B-B14F-4D97-AF65-F5344CB8AC3E}">
-        <p14:creationId xmlns:p14="http://schemas.microsoft.com/office/powerpoint/2010/main" val="3297051854"/>
+        <p14:creationId xmlns:p14="http://schemas.microsoft.com/office/powerpoint/2010/main" val="2311951202"/>
       </p:ext>
     </p:extLst>
   </p:cSld>
@@ -2166,7 +2155,7 @@
 
 <file path=ppt/slideLayouts/slideLayout8.xml><?xml version="1.0" encoding="utf-8"?>
 <p:sldLayout xmlns:a="http://schemas.openxmlformats.org/drawingml/2006/main" xmlns:r="http://schemas.openxmlformats.org/officeDocument/2006/relationships" xmlns:p="http://schemas.openxmlformats.org/presentationml/2006/main" type="objTx" preserve="1">
-  <p:cSld name="תוכן עם כיתוב">
+  <p:cSld name="Content with Caption">
     <p:spTree>
       <p:nvGrpSpPr>
         <p:cNvPr id="1" name=""/>
@@ -2183,10 +2172,10 @@
       </p:grpSpPr>
       <p:sp>
         <p:nvSpPr>
-          <p:cNvPr id="2" name="כותרת 1">
-            <a:extLst>
-              <a:ext uri="{FF2B5EF4-FFF2-40B4-BE49-F238E27FC236}">
-                <a16:creationId xmlns:a16="http://schemas.microsoft.com/office/drawing/2014/main" id="{D022BBB5-70DD-FF95-B614-5B2A5FF3B646}"/>
+          <p:cNvPr id="2" name="Title 1">
+            <a:extLst>
+              <a:ext uri="{FF2B5EF4-FFF2-40B4-BE49-F238E27FC236}">
+                <a16:creationId xmlns:a16="http://schemas.microsoft.com/office/drawing/2014/main" id="{3C8CF6E2-881A-FC99-6F9C-5538315F0045}"/>
               </a:ext>
             </a:extLst>
           </p:cNvPr>
@@ -2212,19 +2201,19 @@
           </a:lstStyle>
           <a:p>
             <a:r>
-              <a:rPr lang="he-IL"/>
-              <a:t>לחץ כדי לערוך סגנון כותרת של תבנית בסיס</a:t>
-            </a:r>
-            <a:endParaRPr lang="en-US"/>
-          </a:p>
-        </p:txBody>
-      </p:sp>
-      <p:sp>
-        <p:nvSpPr>
-          <p:cNvPr id="3" name="מציין מיקום תוכן 2">
-            <a:extLst>
-              <a:ext uri="{FF2B5EF4-FFF2-40B4-BE49-F238E27FC236}">
-                <a16:creationId xmlns:a16="http://schemas.microsoft.com/office/drawing/2014/main" id="{215C23FC-6B8D-A888-244B-5EB5FDF3AD1E}"/>
+              <a:rPr lang="en-GB"/>
+              <a:t>Click to edit Master title style</a:t>
+            </a:r>
+            <a:endParaRPr lang="en-US"/>
+          </a:p>
+        </p:txBody>
+      </p:sp>
+      <p:sp>
+        <p:nvSpPr>
+          <p:cNvPr id="3" name="Content Placeholder 2">
+            <a:extLst>
+              <a:ext uri="{FF2B5EF4-FFF2-40B4-BE49-F238E27FC236}">
+                <a16:creationId xmlns:a16="http://schemas.microsoft.com/office/drawing/2014/main" id="{30F304F0-361E-4C05-97AA-9B25C968C786}"/>
               </a:ext>
             </a:extLst>
           </p:cNvPr>
@@ -2275,47 +2264,47 @@
           <a:p>
             <a:pPr lvl="0"/>
             <a:r>
-              <a:rPr lang="he-IL"/>
-              <a:t>לחץ כדי לערוך סגנונות טקסט של תבנית בסיס</a:t>
+              <a:rPr lang="en-GB"/>
+              <a:t>Click to edit Master text styles</a:t>
             </a:r>
           </a:p>
           <a:p>
             <a:pPr lvl="1"/>
             <a:r>
-              <a:rPr lang="he-IL"/>
-              <a:t>רמה שנייה</a:t>
+              <a:rPr lang="en-GB"/>
+              <a:t>Second level</a:t>
             </a:r>
           </a:p>
           <a:p>
             <a:pPr lvl="2"/>
             <a:r>
-              <a:rPr lang="he-IL"/>
-              <a:t>רמה שלישית</a:t>
+              <a:rPr lang="en-GB"/>
+              <a:t>Third level</a:t>
             </a:r>
           </a:p>
           <a:p>
             <a:pPr lvl="3"/>
             <a:r>
-              <a:rPr lang="he-IL"/>
-              <a:t>רמה רביעית</a:t>
+              <a:rPr lang="en-GB"/>
+              <a:t>Fourth level</a:t>
             </a:r>
           </a:p>
           <a:p>
             <a:pPr lvl="4"/>
             <a:r>
-              <a:rPr lang="he-IL"/>
-              <a:t>רמה חמישית</a:t>
-            </a:r>
-            <a:endParaRPr lang="en-US"/>
-          </a:p>
-        </p:txBody>
-      </p:sp>
-      <p:sp>
-        <p:nvSpPr>
-          <p:cNvPr id="4" name="מציין מיקום טקסט 3">
-            <a:extLst>
-              <a:ext uri="{FF2B5EF4-FFF2-40B4-BE49-F238E27FC236}">
-                <a16:creationId xmlns:a16="http://schemas.microsoft.com/office/drawing/2014/main" id="{05730A7F-3BF0-BEAA-8F8C-886ECCCD3273}"/>
+              <a:rPr lang="en-GB"/>
+              <a:t>Fifth level</a:t>
+            </a:r>
+            <a:endParaRPr lang="en-US"/>
+          </a:p>
+        </p:txBody>
+      </p:sp>
+      <p:sp>
+        <p:nvSpPr>
+          <p:cNvPr id="4" name="Text Placeholder 3">
+            <a:extLst>
+              <a:ext uri="{FF2B5EF4-FFF2-40B4-BE49-F238E27FC236}">
+                <a16:creationId xmlns:a16="http://schemas.microsoft.com/office/drawing/2014/main" id="{76AAC755-88CE-6C93-AC12-D92B1BF71B18}"/>
               </a:ext>
             </a:extLst>
           </p:cNvPr>
@@ -2375,18 +2364,18 @@
           <a:p>
             <a:pPr lvl="0"/>
             <a:r>
-              <a:rPr lang="he-IL"/>
-              <a:t>לחץ כדי לערוך סגנונות טקסט של תבנית בסיס</a:t>
-            </a:r>
-          </a:p>
-        </p:txBody>
-      </p:sp>
-      <p:sp>
-        <p:nvSpPr>
-          <p:cNvPr id="5" name="מציין מיקום של תאריך 4">
-            <a:extLst>
-              <a:ext uri="{FF2B5EF4-FFF2-40B4-BE49-F238E27FC236}">
-                <a16:creationId xmlns:a16="http://schemas.microsoft.com/office/drawing/2014/main" id="{E34AF30D-4F10-00C8-0032-D494362DC2A7}"/>
+              <a:rPr lang="en-GB"/>
+              <a:t>Click to edit Master text styles</a:t>
+            </a:r>
+          </a:p>
+        </p:txBody>
+      </p:sp>
+      <p:sp>
+        <p:nvSpPr>
+          <p:cNvPr id="5" name="Date Placeholder 4">
+            <a:extLst>
+              <a:ext uri="{FF2B5EF4-FFF2-40B4-BE49-F238E27FC236}">
+                <a16:creationId xmlns:a16="http://schemas.microsoft.com/office/drawing/2014/main" id="{13DE6EDA-5696-0F43-5B7F-D4F56E8FDFE4}"/>
               </a:ext>
             </a:extLst>
           </p:cNvPr>
@@ -2402,9 +2391,9 @@
           <a:bodyPr/>
           <a:lstStyle/>
           <a:p>
-            <a:fld id="{7796CE80-BFF2-471B-ABCF-30264F4004DA}" type="datetimeFigureOut">
+            <a:fld id="{9AF104AB-4E30-344B-8537-55087354975F}" type="datetimeFigureOut">
               <a:rPr lang="en-US" smtClean="0"/>
-              <a:t>4/18/25</a:t>
+              <a:t>4/19/25</a:t>
             </a:fld>
             <a:endParaRPr lang="en-US"/>
           </a:p>
@@ -2412,10 +2401,10 @@
       </p:sp>
       <p:sp>
         <p:nvSpPr>
-          <p:cNvPr id="6" name="מציין מיקום של כותרת תחתונה 5">
-            <a:extLst>
-              <a:ext uri="{FF2B5EF4-FFF2-40B4-BE49-F238E27FC236}">
-                <a16:creationId xmlns:a16="http://schemas.microsoft.com/office/drawing/2014/main" id="{CCCF6C47-68C7-12D1-7A98-F8B75B47554C}"/>
+          <p:cNvPr id="6" name="Footer Placeholder 5">
+            <a:extLst>
+              <a:ext uri="{FF2B5EF4-FFF2-40B4-BE49-F238E27FC236}">
+                <a16:creationId xmlns:a16="http://schemas.microsoft.com/office/drawing/2014/main" id="{27CC86C0-C606-6DF6-42FC-9FDA63128F13}"/>
               </a:ext>
             </a:extLst>
           </p:cNvPr>
@@ -2437,10 +2426,10 @@
       </p:sp>
       <p:sp>
         <p:nvSpPr>
-          <p:cNvPr id="7" name="מציין מיקום של מספר שקופית 6">
-            <a:extLst>
-              <a:ext uri="{FF2B5EF4-FFF2-40B4-BE49-F238E27FC236}">
-                <a16:creationId xmlns:a16="http://schemas.microsoft.com/office/drawing/2014/main" id="{D574893E-D989-8172-587F-0B3E7DB305BF}"/>
+          <p:cNvPr id="7" name="Slide Number Placeholder 6">
+            <a:extLst>
+              <a:ext uri="{FF2B5EF4-FFF2-40B4-BE49-F238E27FC236}">
+                <a16:creationId xmlns:a16="http://schemas.microsoft.com/office/drawing/2014/main" id="{6B2A376D-801F-3C7B-258E-D5A1F6645565}"/>
               </a:ext>
             </a:extLst>
           </p:cNvPr>
@@ -2456,7 +2445,7 @@
           <a:bodyPr/>
           <a:lstStyle/>
           <a:p>
-            <a:fld id="{433FFA6A-B5E6-456F-B915-93FD4BE84380}" type="slidenum">
+            <a:fld id="{9A68A866-CEF6-BC49-8301-43259091E3A4}" type="slidenum">
               <a:rPr lang="en-US" smtClean="0"/>
               <a:t>‹#›</a:t>
             </a:fld>
@@ -2467,7 +2456,7 @@
     </p:spTree>
     <p:extLst>
       <p:ext uri="{BB962C8B-B14F-4D97-AF65-F5344CB8AC3E}">
-        <p14:creationId xmlns:p14="http://schemas.microsoft.com/office/powerpoint/2010/main" val="3643184867"/>
+        <p14:creationId xmlns:p14="http://schemas.microsoft.com/office/powerpoint/2010/main" val="1740105372"/>
       </p:ext>
     </p:extLst>
   </p:cSld>
@@ -2479,7 +2468,7 @@
 
 <file path=ppt/slideLayouts/slideLayout9.xml><?xml version="1.0" encoding="utf-8"?>
 <p:sldLayout xmlns:a="http://schemas.openxmlformats.org/drawingml/2006/main" xmlns:r="http://schemas.openxmlformats.org/officeDocument/2006/relationships" xmlns:p="http://schemas.openxmlformats.org/presentationml/2006/main" type="picTx" preserve="1">
-  <p:cSld name="תמונה עם כיתוב">
+  <p:cSld name="Picture with Caption">
     <p:spTree>
       <p:nvGrpSpPr>
         <p:cNvPr id="1" name=""/>
@@ -2496,10 +2485,10 @@
       </p:grpSpPr>
       <p:sp>
         <p:nvSpPr>
-          <p:cNvPr id="2" name="כותרת 1">
-            <a:extLst>
-              <a:ext uri="{FF2B5EF4-FFF2-40B4-BE49-F238E27FC236}">
-                <a16:creationId xmlns:a16="http://schemas.microsoft.com/office/drawing/2014/main" id="{4E321811-3CC5-50E4-2848-BCB1EFEF9390}"/>
+          <p:cNvPr id="2" name="Title 1">
+            <a:extLst>
+              <a:ext uri="{FF2B5EF4-FFF2-40B4-BE49-F238E27FC236}">
+                <a16:creationId xmlns:a16="http://schemas.microsoft.com/office/drawing/2014/main" id="{4D8D0450-F185-2A63-DBFE-44294E001C12}"/>
               </a:ext>
             </a:extLst>
           </p:cNvPr>
@@ -2525,19 +2514,19 @@
           </a:lstStyle>
           <a:p>
             <a:r>
-              <a:rPr lang="he-IL"/>
-              <a:t>לחץ כדי לערוך סגנון כותרת של תבנית בסיס</a:t>
-            </a:r>
-            <a:endParaRPr lang="en-US"/>
-          </a:p>
-        </p:txBody>
-      </p:sp>
-      <p:sp>
-        <p:nvSpPr>
-          <p:cNvPr id="3" name="מציין מיקום של תמונה 2">
-            <a:extLst>
-              <a:ext uri="{FF2B5EF4-FFF2-40B4-BE49-F238E27FC236}">
-                <a16:creationId xmlns:a16="http://schemas.microsoft.com/office/drawing/2014/main" id="{05C2DAA2-DAE0-984F-5141-68D4494BB7BE}"/>
+              <a:rPr lang="en-GB"/>
+              <a:t>Click to edit Master title style</a:t>
+            </a:r>
+            <a:endParaRPr lang="en-US"/>
+          </a:p>
+        </p:txBody>
+      </p:sp>
+      <p:sp>
+        <p:nvSpPr>
+          <p:cNvPr id="3" name="Picture Placeholder 2">
+            <a:extLst>
+              <a:ext uri="{FF2B5EF4-FFF2-40B4-BE49-F238E27FC236}">
+                <a16:creationId xmlns:a16="http://schemas.microsoft.com/office/drawing/2014/main" id="{605EC742-18D7-9B15-7A3B-FF26DC84BD5D}"/>
               </a:ext>
             </a:extLst>
           </p:cNvPr>
@@ -2601,10 +2590,10 @@
       </p:sp>
       <p:sp>
         <p:nvSpPr>
-          <p:cNvPr id="4" name="מציין מיקום טקסט 3">
-            <a:extLst>
-              <a:ext uri="{FF2B5EF4-FFF2-40B4-BE49-F238E27FC236}">
-                <a16:creationId xmlns:a16="http://schemas.microsoft.com/office/drawing/2014/main" id="{EB5E28EB-4F2B-81A8-9A90-4C4A201EDEB3}"/>
+          <p:cNvPr id="4" name="Text Placeholder 3">
+            <a:extLst>
+              <a:ext uri="{FF2B5EF4-FFF2-40B4-BE49-F238E27FC236}">
+                <a16:creationId xmlns:a16="http://schemas.microsoft.com/office/drawing/2014/main" id="{E7E2D560-C906-842C-1FCC-B35B5B9CB2ED}"/>
               </a:ext>
             </a:extLst>
           </p:cNvPr>
@@ -2664,18 +2653,18 @@
           <a:p>
             <a:pPr lvl="0"/>
             <a:r>
-              <a:rPr lang="he-IL"/>
-              <a:t>לחץ כדי לערוך סגנונות טקסט של תבנית בסיס</a:t>
-            </a:r>
-          </a:p>
-        </p:txBody>
-      </p:sp>
-      <p:sp>
-        <p:nvSpPr>
-          <p:cNvPr id="5" name="מציין מיקום של תאריך 4">
-            <a:extLst>
-              <a:ext uri="{FF2B5EF4-FFF2-40B4-BE49-F238E27FC236}">
-                <a16:creationId xmlns:a16="http://schemas.microsoft.com/office/drawing/2014/main" id="{E194AA66-4ED3-D082-17AB-F0B0737B8408}"/>
+              <a:rPr lang="en-GB"/>
+              <a:t>Click to edit Master text styles</a:t>
+            </a:r>
+          </a:p>
+        </p:txBody>
+      </p:sp>
+      <p:sp>
+        <p:nvSpPr>
+          <p:cNvPr id="5" name="Date Placeholder 4">
+            <a:extLst>
+              <a:ext uri="{FF2B5EF4-FFF2-40B4-BE49-F238E27FC236}">
+                <a16:creationId xmlns:a16="http://schemas.microsoft.com/office/drawing/2014/main" id="{591F3E3F-96D0-AF28-2F20-04BF94AA69B8}"/>
               </a:ext>
             </a:extLst>
           </p:cNvPr>
@@ -2691,9 +2680,9 @@
           <a:bodyPr/>
           <a:lstStyle/>
           <a:p>
-            <a:fld id="{7796CE80-BFF2-471B-ABCF-30264F4004DA}" type="datetimeFigureOut">
+            <a:fld id="{9AF104AB-4E30-344B-8537-55087354975F}" type="datetimeFigureOut">
               <a:rPr lang="en-US" smtClean="0"/>
-              <a:t>4/18/25</a:t>
+              <a:t>4/19/25</a:t>
             </a:fld>
             <a:endParaRPr lang="en-US"/>
           </a:p>
@@ -2701,10 +2690,10 @@
       </p:sp>
       <p:sp>
         <p:nvSpPr>
-          <p:cNvPr id="6" name="מציין מיקום של כותרת תחתונה 5">
-            <a:extLst>
-              <a:ext uri="{FF2B5EF4-FFF2-40B4-BE49-F238E27FC236}">
-                <a16:creationId xmlns:a16="http://schemas.microsoft.com/office/drawing/2014/main" id="{8D3EB058-029E-241D-EEA4-F89279A56038}"/>
+          <p:cNvPr id="6" name="Footer Placeholder 5">
+            <a:extLst>
+              <a:ext uri="{FF2B5EF4-FFF2-40B4-BE49-F238E27FC236}">
+                <a16:creationId xmlns:a16="http://schemas.microsoft.com/office/drawing/2014/main" id="{EF9E31B9-C72A-1D10-4980-28AF5AE1074E}"/>
               </a:ext>
             </a:extLst>
           </p:cNvPr>
@@ -2726,10 +2715,10 @@
       </p:sp>
       <p:sp>
         <p:nvSpPr>
-          <p:cNvPr id="7" name="מציין מיקום של מספר שקופית 6">
-            <a:extLst>
-              <a:ext uri="{FF2B5EF4-FFF2-40B4-BE49-F238E27FC236}">
-                <a16:creationId xmlns:a16="http://schemas.microsoft.com/office/drawing/2014/main" id="{14F10693-1F81-E13A-D5BD-E40A1F6CD8FC}"/>
+          <p:cNvPr id="7" name="Slide Number Placeholder 6">
+            <a:extLst>
+              <a:ext uri="{FF2B5EF4-FFF2-40B4-BE49-F238E27FC236}">
+                <a16:creationId xmlns:a16="http://schemas.microsoft.com/office/drawing/2014/main" id="{50A069D9-1B01-7EF8-FE2D-F9D7120A58ED}"/>
               </a:ext>
             </a:extLst>
           </p:cNvPr>
@@ -2745,7 +2734,7 @@
           <a:bodyPr/>
           <a:lstStyle/>
           <a:p>
-            <a:fld id="{433FFA6A-B5E6-456F-B915-93FD4BE84380}" type="slidenum">
+            <a:fld id="{9A68A866-CEF6-BC49-8301-43259091E3A4}" type="slidenum">
               <a:rPr lang="en-US" smtClean="0"/>
               <a:t>‹#›</a:t>
             </a:fld>
@@ -2756,7 +2745,7 @@
     </p:spTree>
     <p:extLst>
       <p:ext uri="{BB962C8B-B14F-4D97-AF65-F5344CB8AC3E}">
-        <p14:creationId xmlns:p14="http://schemas.microsoft.com/office/powerpoint/2010/main" val="4277184203"/>
+        <p14:creationId xmlns:p14="http://schemas.microsoft.com/office/powerpoint/2010/main" val="3277926695"/>
       </p:ext>
     </p:extLst>
   </p:cSld>
@@ -2790,10 +2779,10 @@
       </p:grpSpPr>
       <p:sp>
         <p:nvSpPr>
-          <p:cNvPr id="2" name="מציין מיקום של כותרת 1">
-            <a:extLst>
-              <a:ext uri="{FF2B5EF4-FFF2-40B4-BE49-F238E27FC236}">
-                <a16:creationId xmlns:a16="http://schemas.microsoft.com/office/drawing/2014/main" id="{064EDE92-C838-EDC1-9DA6-77D0AD8D98E3}"/>
+          <p:cNvPr id="2" name="Title Placeholder 1">
+            <a:extLst>
+              <a:ext uri="{FF2B5EF4-FFF2-40B4-BE49-F238E27FC236}">
+                <a16:creationId xmlns:a16="http://schemas.microsoft.com/office/drawing/2014/main" id="{E8CE96F6-CF64-7588-328B-718D9ECDBF2E}"/>
               </a:ext>
             </a:extLst>
           </p:cNvPr>
@@ -2814,25 +2803,25 @@
           </a:prstGeom>
         </p:spPr>
         <p:txBody>
-          <a:bodyPr vert="horz" lIns="91440" tIns="45720" rIns="91440" bIns="45720" rtlCol="1" anchor="ctr">
+          <a:bodyPr vert="horz" lIns="91440" tIns="45720" rIns="91440" bIns="45720" rtlCol="0" anchor="ctr">
             <a:normAutofit/>
           </a:bodyPr>
           <a:lstStyle/>
           <a:p>
             <a:r>
-              <a:rPr lang="he-IL"/>
-              <a:t>לחץ כדי לערוך סגנון כותרת של תבנית בסיס</a:t>
-            </a:r>
-            <a:endParaRPr lang="en-US"/>
-          </a:p>
-        </p:txBody>
-      </p:sp>
-      <p:sp>
-        <p:nvSpPr>
-          <p:cNvPr id="3" name="מציין מיקום טקסט 2">
-            <a:extLst>
-              <a:ext uri="{FF2B5EF4-FFF2-40B4-BE49-F238E27FC236}">
-                <a16:creationId xmlns:a16="http://schemas.microsoft.com/office/drawing/2014/main" id="{90F8FE42-6F1A-D5F9-F007-C279DBA61625}"/>
+              <a:rPr lang="en-GB"/>
+              <a:t>Click to edit Master title style</a:t>
+            </a:r>
+            <a:endParaRPr lang="en-US"/>
+          </a:p>
+        </p:txBody>
+      </p:sp>
+      <p:sp>
+        <p:nvSpPr>
+          <p:cNvPr id="3" name="Text Placeholder 2">
+            <a:extLst>
+              <a:ext uri="{FF2B5EF4-FFF2-40B4-BE49-F238E27FC236}">
+                <a16:creationId xmlns:a16="http://schemas.microsoft.com/office/drawing/2014/main" id="{2874584E-43F9-EAC8-92D2-5056B43A18F6}"/>
               </a:ext>
             </a:extLst>
           </p:cNvPr>
@@ -2853,54 +2842,54 @@
           </a:prstGeom>
         </p:spPr>
         <p:txBody>
-          <a:bodyPr vert="horz" lIns="91440" tIns="45720" rIns="91440" bIns="45720" rtlCol="1">
+          <a:bodyPr vert="horz" lIns="91440" tIns="45720" rIns="91440" bIns="45720" rtlCol="0">
             <a:normAutofit/>
           </a:bodyPr>
           <a:lstStyle/>
           <a:p>
             <a:pPr lvl="0"/>
             <a:r>
-              <a:rPr lang="he-IL"/>
-              <a:t>לחץ כדי לערוך סגנונות טקסט של תבנית בסיס</a:t>
+              <a:rPr lang="en-GB"/>
+              <a:t>Click to edit Master text styles</a:t>
             </a:r>
           </a:p>
           <a:p>
             <a:pPr lvl="1"/>
             <a:r>
-              <a:rPr lang="he-IL"/>
-              <a:t>רמה שנייה</a:t>
+              <a:rPr lang="en-GB"/>
+              <a:t>Second level</a:t>
             </a:r>
           </a:p>
           <a:p>
             <a:pPr lvl="2"/>
             <a:r>
-              <a:rPr lang="he-IL"/>
-              <a:t>רמה שלישית</a:t>
+              <a:rPr lang="en-GB"/>
+              <a:t>Third level</a:t>
             </a:r>
           </a:p>
           <a:p>
             <a:pPr lvl="3"/>
             <a:r>
-              <a:rPr lang="he-IL"/>
-              <a:t>רמה רביעית</a:t>
+              <a:rPr lang="en-GB"/>
+              <a:t>Fourth level</a:t>
             </a:r>
           </a:p>
           <a:p>
             <a:pPr lvl="4"/>
             <a:r>
-              <a:rPr lang="he-IL"/>
-              <a:t>רמה חמישית</a:t>
-            </a:r>
-            <a:endParaRPr lang="en-US"/>
-          </a:p>
-        </p:txBody>
-      </p:sp>
-      <p:sp>
-        <p:nvSpPr>
-          <p:cNvPr id="4" name="מציין מיקום של תאריך 3">
-            <a:extLst>
-              <a:ext uri="{FF2B5EF4-FFF2-40B4-BE49-F238E27FC236}">
-                <a16:creationId xmlns:a16="http://schemas.microsoft.com/office/drawing/2014/main" id="{9566EDBB-21FB-187C-606D-8F166B1FDA3E}"/>
+              <a:rPr lang="en-GB"/>
+              <a:t>Fifth level</a:t>
+            </a:r>
+            <a:endParaRPr lang="en-US"/>
+          </a:p>
+        </p:txBody>
+      </p:sp>
+      <p:sp>
+        <p:nvSpPr>
+          <p:cNvPr id="4" name="Date Placeholder 3">
+            <a:extLst>
+              <a:ext uri="{FF2B5EF4-FFF2-40B4-BE49-F238E27FC236}">
+                <a16:creationId xmlns:a16="http://schemas.microsoft.com/office/drawing/2014/main" id="{D8CE2519-D1BE-8A85-B063-620FFF8F311B}"/>
               </a:ext>
             </a:extLst>
           </p:cNvPr>
@@ -2913,7 +2902,7 @@
         </p:nvSpPr>
         <p:spPr>
           <a:xfrm>
-            <a:off x="8610600" y="6356350"/>
+            <a:off x="838200" y="6356350"/>
             <a:ext cx="2743200" cy="365125"/>
           </a:xfrm>
           <a:prstGeom prst="rect">
@@ -2921,7 +2910,7 @@
           </a:prstGeom>
         </p:spPr>
         <p:txBody>
-          <a:bodyPr vert="horz" lIns="91440" tIns="45720" rIns="91440" bIns="45720" rtlCol="1" anchor="ctr"/>
+          <a:bodyPr vert="horz" lIns="91440" tIns="45720" rIns="91440" bIns="45720" rtlCol="0" anchor="ctr"/>
           <a:lstStyle>
             <a:lvl1pPr algn="l">
               <a:defRPr sz="1200">
@@ -2934,9 +2923,9 @@
             </a:lvl1pPr>
           </a:lstStyle>
           <a:p>
-            <a:fld id="{7796CE80-BFF2-471B-ABCF-30264F4004DA}" type="datetimeFigureOut">
+            <a:fld id="{9AF104AB-4E30-344B-8537-55087354975F}" type="datetimeFigureOut">
               <a:rPr lang="en-US" smtClean="0"/>
-              <a:t>4/18/25</a:t>
+              <a:t>4/19/25</a:t>
             </a:fld>
             <a:endParaRPr lang="en-US"/>
           </a:p>
@@ -2944,10 +2933,10 @@
       </p:sp>
       <p:sp>
         <p:nvSpPr>
-          <p:cNvPr id="5" name="מציין מיקום של כותרת תחתונה 4">
-            <a:extLst>
-              <a:ext uri="{FF2B5EF4-FFF2-40B4-BE49-F238E27FC236}">
-                <a16:creationId xmlns:a16="http://schemas.microsoft.com/office/drawing/2014/main" id="{6CE0D296-4639-36CF-E722-F332849247FD}"/>
+          <p:cNvPr id="5" name="Footer Placeholder 4">
+            <a:extLst>
+              <a:ext uri="{FF2B5EF4-FFF2-40B4-BE49-F238E27FC236}">
+                <a16:creationId xmlns:a16="http://schemas.microsoft.com/office/drawing/2014/main" id="{CAB02366-4A14-3712-0AAA-79F810BD1605}"/>
               </a:ext>
             </a:extLst>
           </p:cNvPr>
@@ -2968,7 +2957,7 @@
           </a:prstGeom>
         </p:spPr>
         <p:txBody>
-          <a:bodyPr vert="horz" lIns="91440" tIns="45720" rIns="91440" bIns="45720" rtlCol="1" anchor="ctr"/>
+          <a:bodyPr vert="horz" lIns="91440" tIns="45720" rIns="91440" bIns="45720" rtlCol="0" anchor="ctr"/>
           <a:lstStyle>
             <a:lvl1pPr algn="ctr">
               <a:defRPr sz="1200">
@@ -2987,10 +2976,10 @@
       </p:sp>
       <p:sp>
         <p:nvSpPr>
-          <p:cNvPr id="6" name="מציין מיקום של מספר שקופית 5">
-            <a:extLst>
-              <a:ext uri="{FF2B5EF4-FFF2-40B4-BE49-F238E27FC236}">
-                <a16:creationId xmlns:a16="http://schemas.microsoft.com/office/drawing/2014/main" id="{02E3D86D-1F5F-A042-8BD2-9BD2E8B74C94}"/>
+          <p:cNvPr id="6" name="Slide Number Placeholder 5">
+            <a:extLst>
+              <a:ext uri="{FF2B5EF4-FFF2-40B4-BE49-F238E27FC236}">
+                <a16:creationId xmlns:a16="http://schemas.microsoft.com/office/drawing/2014/main" id="{3DA83F27-C936-2552-FA46-C5858E7F1AAC}"/>
               </a:ext>
             </a:extLst>
           </p:cNvPr>
@@ -3003,7 +2992,7 @@
         </p:nvSpPr>
         <p:spPr>
           <a:xfrm>
-            <a:off x="838200" y="6356350"/>
+            <a:off x="8610600" y="6356350"/>
             <a:ext cx="2743200" cy="365125"/>
           </a:xfrm>
           <a:prstGeom prst="rect">
@@ -3011,7 +3000,7 @@
           </a:prstGeom>
         </p:spPr>
         <p:txBody>
-          <a:bodyPr vert="horz" lIns="91440" tIns="45720" rIns="91440" bIns="45720" rtlCol="1" anchor="ctr"/>
+          <a:bodyPr vert="horz" lIns="91440" tIns="45720" rIns="91440" bIns="45720" rtlCol="0" anchor="ctr"/>
           <a:lstStyle>
             <a:lvl1pPr algn="r">
               <a:defRPr sz="1200">
@@ -3024,7 +3013,7 @@
             </a:lvl1pPr>
           </a:lstStyle>
           <a:p>
-            <a:fld id="{433FFA6A-B5E6-456F-B915-93FD4BE84380}" type="slidenum">
+            <a:fld id="{9A68A866-CEF6-BC49-8301-43259091E3A4}" type="slidenum">
               <a:rPr lang="en-US" smtClean="0"/>
               <a:t>‹#›</a:t>
             </a:fld>
@@ -3035,7 +3024,7 @@
     </p:spTree>
     <p:extLst>
       <p:ext uri="{BB962C8B-B14F-4D97-AF65-F5344CB8AC3E}">
-        <p14:creationId xmlns:p14="http://schemas.microsoft.com/office/powerpoint/2010/main" val="3175880091"/>
+        <p14:creationId xmlns:p14="http://schemas.microsoft.com/office/powerpoint/2010/main" val="2934779595"/>
       </p:ext>
     </p:extLst>
   </p:cSld>
@@ -3055,7 +3044,7 @@
   </p:sldLayoutIdLst>
   <p:txStyles>
     <p:titleStyle>
-      <a:lvl1pPr algn="r" defTabSz="914400" rtl="1" eaLnBrk="1" latinLnBrk="0" hangingPunct="1">
+      <a:lvl1pPr algn="l" defTabSz="914400" rtl="0" eaLnBrk="1" latinLnBrk="0" hangingPunct="1">
         <a:lnSpc>
           <a:spcPct val="90000"/>
         </a:lnSpc>
@@ -3074,7 +3063,7 @@
       </a:lvl1pPr>
     </p:titleStyle>
     <p:bodyStyle>
-      <a:lvl1pPr marL="228600" indent="-228600" algn="r" defTabSz="914400" rtl="1" eaLnBrk="1" latinLnBrk="0" hangingPunct="1">
+      <a:lvl1pPr marL="228600" indent="-228600" algn="l" defTabSz="914400" rtl="0" eaLnBrk="1" latinLnBrk="0" hangingPunct="1">
         <a:lnSpc>
           <a:spcPct val="90000"/>
         </a:lnSpc>
@@ -3092,7 +3081,7 @@
           <a:cs typeface="+mn-cs"/>
         </a:defRPr>
       </a:lvl1pPr>
-      <a:lvl2pPr marL="685800" indent="-228600" algn="r" defTabSz="914400" rtl="1" eaLnBrk="1" latinLnBrk="0" hangingPunct="1">
+      <a:lvl2pPr marL="685800" indent="-228600" algn="l" defTabSz="914400" rtl="0" eaLnBrk="1" latinLnBrk="0" hangingPunct="1">
         <a:lnSpc>
           <a:spcPct val="90000"/>
         </a:lnSpc>
@@ -3110,7 +3099,7 @@
           <a:cs typeface="+mn-cs"/>
         </a:defRPr>
       </a:lvl2pPr>
-      <a:lvl3pPr marL="1143000" indent="-228600" algn="r" defTabSz="914400" rtl="1" eaLnBrk="1" latinLnBrk="0" hangingPunct="1">
+      <a:lvl3pPr marL="1143000" indent="-228600" algn="l" defTabSz="914400" rtl="0" eaLnBrk="1" latinLnBrk="0" hangingPunct="1">
         <a:lnSpc>
           <a:spcPct val="90000"/>
         </a:lnSpc>
@@ -3128,7 +3117,7 @@
           <a:cs typeface="+mn-cs"/>
         </a:defRPr>
       </a:lvl3pPr>
-      <a:lvl4pPr marL="1600200" indent="-228600" algn="r" defTabSz="914400" rtl="1" eaLnBrk="1" latinLnBrk="0" hangingPunct="1">
+      <a:lvl4pPr marL="1600200" indent="-228600" algn="l" defTabSz="914400" rtl="0" eaLnBrk="1" latinLnBrk="0" hangingPunct="1">
         <a:lnSpc>
           <a:spcPct val="90000"/>
         </a:lnSpc>
@@ -3146,7 +3135,7 @@
           <a:cs typeface="+mn-cs"/>
         </a:defRPr>
       </a:lvl4pPr>
-      <a:lvl5pPr marL="2057400" indent="-228600" algn="r" defTabSz="914400" rtl="1" eaLnBrk="1" latinLnBrk="0" hangingPunct="1">
+      <a:lvl5pPr marL="2057400" indent="-228600" algn="l" defTabSz="914400" rtl="0" eaLnBrk="1" latinLnBrk="0" hangingPunct="1">
         <a:lnSpc>
           <a:spcPct val="90000"/>
         </a:lnSpc>
@@ -3164,7 +3153,7 @@
           <a:cs typeface="+mn-cs"/>
         </a:defRPr>
       </a:lvl5pPr>
-      <a:lvl6pPr marL="2514600" indent="-228600" algn="r" defTabSz="914400" rtl="1" eaLnBrk="1" latinLnBrk="0" hangingPunct="1">
+      <a:lvl6pPr marL="2514600" indent="-228600" algn="l" defTabSz="914400" rtl="0" eaLnBrk="1" latinLnBrk="0" hangingPunct="1">
         <a:lnSpc>
           <a:spcPct val="90000"/>
         </a:lnSpc>
@@ -3182,7 +3171,7 @@
           <a:cs typeface="+mn-cs"/>
         </a:defRPr>
       </a:lvl6pPr>
-      <a:lvl7pPr marL="2971800" indent="-228600" algn="r" defTabSz="914400" rtl="1" eaLnBrk="1" latinLnBrk="0" hangingPunct="1">
+      <a:lvl7pPr marL="2971800" indent="-228600" algn="l" defTabSz="914400" rtl="0" eaLnBrk="1" latinLnBrk="0" hangingPunct="1">
         <a:lnSpc>
           <a:spcPct val="90000"/>
         </a:lnSpc>
@@ -3200,7 +3189,7 @@
           <a:cs typeface="+mn-cs"/>
         </a:defRPr>
       </a:lvl7pPr>
-      <a:lvl8pPr marL="3429000" indent="-228600" algn="r" defTabSz="914400" rtl="1" eaLnBrk="1" latinLnBrk="0" hangingPunct="1">
+      <a:lvl8pPr marL="3429000" indent="-228600" algn="l" defTabSz="914400" rtl="0" eaLnBrk="1" latinLnBrk="0" hangingPunct="1">
         <a:lnSpc>
           <a:spcPct val="90000"/>
         </a:lnSpc>
@@ -3218,7 +3207,7 @@
           <a:cs typeface="+mn-cs"/>
         </a:defRPr>
       </a:lvl8pPr>
-      <a:lvl9pPr marL="3886200" indent="-228600" algn="r" defTabSz="914400" rtl="1" eaLnBrk="1" latinLnBrk="0" hangingPunct="1">
+      <a:lvl9pPr marL="3886200" indent="-228600" algn="l" defTabSz="914400" rtl="0" eaLnBrk="1" latinLnBrk="0" hangingPunct="1">
         <a:lnSpc>
           <a:spcPct val="90000"/>
         </a:lnSpc>
@@ -3241,7 +3230,7 @@
       <a:defPPr>
         <a:defRPr lang="en-US"/>
       </a:defPPr>
-      <a:lvl1pPr marL="0" algn="r" defTabSz="914400" rtl="1" eaLnBrk="1" latinLnBrk="0" hangingPunct="1">
+      <a:lvl1pPr marL="0" algn="l" defTabSz="914400" rtl="0" eaLnBrk="1" latinLnBrk="0" hangingPunct="1">
         <a:defRPr sz="1800" kern="1200">
           <a:solidFill>
             <a:schemeClr val="tx1"/>
@@ -3251,7 +3240,7 @@
           <a:cs typeface="+mn-cs"/>
         </a:defRPr>
       </a:lvl1pPr>
-      <a:lvl2pPr marL="457200" algn="r" defTabSz="914400" rtl="1" eaLnBrk="1" latinLnBrk="0" hangingPunct="1">
+      <a:lvl2pPr marL="457200" algn="l" defTabSz="914400" rtl="0" eaLnBrk="1" latinLnBrk="0" hangingPunct="1">
         <a:defRPr sz="1800" kern="1200">
           <a:solidFill>
             <a:schemeClr val="tx1"/>
@@ -3261,7 +3250,7 @@
           <a:cs typeface="+mn-cs"/>
         </a:defRPr>
       </a:lvl2pPr>
-      <a:lvl3pPr marL="914400" algn="r" defTabSz="914400" rtl="1" eaLnBrk="1" latinLnBrk="0" hangingPunct="1">
+      <a:lvl3pPr marL="914400" algn="l" defTabSz="914400" rtl="0" eaLnBrk="1" latinLnBrk="0" hangingPunct="1">
         <a:defRPr sz="1800" kern="1200">
           <a:solidFill>
             <a:schemeClr val="tx1"/>
@@ -3271,7 +3260,7 @@
           <a:cs typeface="+mn-cs"/>
         </a:defRPr>
       </a:lvl3pPr>
-      <a:lvl4pPr marL="1371600" algn="r" defTabSz="914400" rtl="1" eaLnBrk="1" latinLnBrk="0" hangingPunct="1">
+      <a:lvl4pPr marL="1371600" algn="l" defTabSz="914400" rtl="0" eaLnBrk="1" latinLnBrk="0" hangingPunct="1">
         <a:defRPr sz="1800" kern="1200">
           <a:solidFill>
             <a:schemeClr val="tx1"/>
@@ -3281,7 +3270,7 @@
           <a:cs typeface="+mn-cs"/>
         </a:defRPr>
       </a:lvl4pPr>
-      <a:lvl5pPr marL="1828800" algn="r" defTabSz="914400" rtl="1" eaLnBrk="1" latinLnBrk="0" hangingPunct="1">
+      <a:lvl5pPr marL="1828800" algn="l" defTabSz="914400" rtl="0" eaLnBrk="1" latinLnBrk="0" hangingPunct="1">
         <a:defRPr sz="1800" kern="1200">
           <a:solidFill>
             <a:schemeClr val="tx1"/>
@@ -3291,7 +3280,7 @@
           <a:cs typeface="+mn-cs"/>
         </a:defRPr>
       </a:lvl5pPr>
-      <a:lvl6pPr marL="2286000" algn="r" defTabSz="914400" rtl="1" eaLnBrk="1" latinLnBrk="0" hangingPunct="1">
+      <a:lvl6pPr marL="2286000" algn="l" defTabSz="914400" rtl="0" eaLnBrk="1" latinLnBrk="0" hangingPunct="1">
         <a:defRPr sz="1800" kern="1200">
           <a:solidFill>
             <a:schemeClr val="tx1"/>
@@ -3301,7 +3290,7 @@
           <a:cs typeface="+mn-cs"/>
         </a:defRPr>
       </a:lvl6pPr>
-      <a:lvl7pPr marL="2743200" algn="r" defTabSz="914400" rtl="1" eaLnBrk="1" latinLnBrk="0" hangingPunct="1">
+      <a:lvl7pPr marL="2743200" algn="l" defTabSz="914400" rtl="0" eaLnBrk="1" latinLnBrk="0" hangingPunct="1">
         <a:defRPr sz="1800" kern="1200">
           <a:solidFill>
             <a:schemeClr val="tx1"/>
@@ -3311,7 +3300,7 @@
           <a:cs typeface="+mn-cs"/>
         </a:defRPr>
       </a:lvl7pPr>
-      <a:lvl8pPr marL="3200400" algn="r" defTabSz="914400" rtl="1" eaLnBrk="1" latinLnBrk="0" hangingPunct="1">
+      <a:lvl8pPr marL="3200400" algn="l" defTabSz="914400" rtl="0" eaLnBrk="1" latinLnBrk="0" hangingPunct="1">
         <a:defRPr sz="1800" kern="1200">
           <a:solidFill>
             <a:schemeClr val="tx1"/>
@@ -3321,7 +3310,7 @@
           <a:cs typeface="+mn-cs"/>
         </a:defRPr>
       </a:lvl8pPr>
-      <a:lvl9pPr marL="3657600" algn="r" defTabSz="914400" rtl="1" eaLnBrk="1" latinLnBrk="0" hangingPunct="1">
+      <a:lvl9pPr marL="3657600" algn="l" defTabSz="914400" rtl="0" eaLnBrk="1" latinLnBrk="0" hangingPunct="1">
         <a:defRPr sz="1800" kern="1200">
           <a:solidFill>
             <a:schemeClr val="tx1"/>
@@ -3355,39 +3344,10 @@
       </p:grpSpPr>
       <p:sp>
         <p:nvSpPr>
-          <p:cNvPr id="2" name="כותרת 1">
-            <a:extLst>
-              <a:ext uri="{FF2B5EF4-FFF2-40B4-BE49-F238E27FC236}">
-                <a16:creationId xmlns:a16="http://schemas.microsoft.com/office/drawing/2014/main" id="{8042BF0A-C642-7F9F-2AC1-D92EED9B92FB}"/>
-              </a:ext>
-            </a:extLst>
-          </p:cNvPr>
-          <p:cNvSpPr>
-            <a:spLocks noGrp="1"/>
-          </p:cNvSpPr>
-          <p:nvPr>
-            <p:ph type="title"/>
-          </p:nvPr>
-        </p:nvSpPr>
-        <p:spPr/>
-        <p:txBody>
-          <a:bodyPr/>
-          <a:lstStyle/>
-          <a:p>
-            <a:r>
-              <a:rPr lang="he-IL" dirty="0"/>
-              <a:t>נדידת מחשבות</a:t>
-            </a:r>
-            <a:endParaRPr lang="en-US" dirty="0"/>
-          </a:p>
-        </p:txBody>
-      </p:sp>
-      <p:sp>
-        <p:nvSpPr>
-          <p:cNvPr id="3" name="מציין מיקום תוכן 2">
-            <a:extLst>
-              <a:ext uri="{FF2B5EF4-FFF2-40B4-BE49-F238E27FC236}">
-                <a16:creationId xmlns:a16="http://schemas.microsoft.com/office/drawing/2014/main" id="{ADB639A9-6231-805D-1955-61342F779C1C}"/>
+          <p:cNvPr id="3" name="Content Placeholder 2">
+            <a:extLst>
+              <a:ext uri="{FF2B5EF4-FFF2-40B4-BE49-F238E27FC236}">
+                <a16:creationId xmlns:a16="http://schemas.microsoft.com/office/drawing/2014/main" id="{565BB851-ADC9-956A-B944-3BF1602DC197}"/>
               </a:ext>
             </a:extLst>
           </p:cNvPr>
@@ -3398,34 +3358,169 @@
             <p:ph idx="1"/>
           </p:nvPr>
         </p:nvSpPr>
-        <p:spPr/>
-        <p:txBody>
-          <a:bodyPr/>
-          <a:lstStyle/>
-          <a:p>
-            <a:pPr marL="0" indent="0">
+        <p:spPr>
+          <a:xfrm>
+            <a:off x="838200" y="1253331"/>
+            <a:ext cx="10515600" cy="4351338"/>
+          </a:xfrm>
+        </p:spPr>
+        <p:txBody>
+          <a:bodyPr>
+            <a:noAutofit/>
+          </a:bodyPr>
+          <a:lstStyle/>
+          <a:p>
+            <a:pPr marL="0" indent="0" algn="r" defTabSz="914400" rtl="1" eaLnBrk="1" latinLnBrk="0" hangingPunct="1">
+              <a:lnSpc>
+                <a:spcPct val="90000"/>
+              </a:lnSpc>
+              <a:spcBef>
+                <a:spcPts val="1000"/>
+              </a:spcBef>
               <a:buNone/>
             </a:pPr>
             <a:r>
-              <a:rPr lang="he-IL" dirty="0"/>
-              <a:t>למען הבדיקה אסביר בקצרה איך תרגיש נדידת מחשבות:</a:t>
-            </a:r>
-          </a:p>
-          <a:p>
-            <a:pPr marL="0" indent="0">
-              <a:buNone/>
-            </a:pPr>
-            <a:r>
-              <a:rPr lang="he-IL" dirty="0"/>
-              <a:t>כאשר תהיה בנדידת מחשבות תרגיש שאתה חושב על דברים שקראת קודם או על דברים שלא קשורים בכלל למה שאתה קורא. אם אתה מרגיש ככה תלחץ על הכפתור </a:t>
-            </a:r>
-            <a:r>
-              <a:rPr lang="en-US" dirty="0"/>
-              <a:t>P</a:t>
-            </a:r>
-            <a:r>
-              <a:rPr lang="he-IL" dirty="0"/>
-              <a:t>. ואז תשתדל לחזור לטקסט כמה שיותר מהר.</a:t>
+              <a:rPr lang="he-IL" b="0" i="0" u="none" strike="noStrike" dirty="0">
+                <a:solidFill>
+                  <a:srgbClr val="000000"/>
+                </a:solidFill>
+                <a:effectLst/>
+                <a:latin typeface="David" panose="020E0502060401010101" pitchFamily="34" charset="-79"/>
+                <a:cs typeface="David" panose="020E0502060401010101" pitchFamily="34" charset="-79"/>
+              </a:rPr>
+              <a:t>נדידת מחשבות (</a:t>
+            </a:r>
+            <a:r>
+              <a:rPr lang="en-GB" b="0" i="0" u="none" strike="noStrike" dirty="0">
+                <a:solidFill>
+                  <a:srgbClr val="000000"/>
+                </a:solidFill>
+                <a:effectLst/>
+                <a:latin typeface="David" panose="020E0502060401010101" pitchFamily="34" charset="-79"/>
+                <a:cs typeface="David" panose="020E0502060401010101" pitchFamily="34" charset="-79"/>
+              </a:rPr>
+              <a:t>Mind Wandering) </a:t>
+            </a:r>
+            <a:r>
+              <a:rPr lang="he-IL" b="0" i="0" u="none" strike="noStrike" dirty="0">
+                <a:solidFill>
+                  <a:srgbClr val="000000"/>
+                </a:solidFill>
+                <a:effectLst/>
+                <a:latin typeface="David" panose="020E0502060401010101" pitchFamily="34" charset="-79"/>
+                <a:cs typeface="David" panose="020E0502060401010101" pitchFamily="34" charset="-79"/>
+              </a:rPr>
+              <a:t>היא תופעה קוגניטיבית נפוצה המתבטאת בכך שתשומת הלב מוסחת באופן לא רצוני למשך פרקי זמן שונים מהמטרה המרכזית, לעבר מחשבות פנימיות או רגשות. מחקרים מראים קשר מובהק בין דפוסי תנועות עיניים לתופעה זו: למשל, מחקר שפורסם בכתב העת </a:t>
+            </a:r>
+            <a:r>
+              <a:rPr lang="en-GB" b="0" i="1" u="none" strike="noStrike" dirty="0">
+                <a:solidFill>
+                  <a:srgbClr val="000000"/>
+                </a:solidFill>
+                <a:effectLst/>
+                <a:latin typeface="David" panose="020E0502060401010101" pitchFamily="34" charset="-79"/>
+                <a:cs typeface="David" panose="020E0502060401010101" pitchFamily="34" charset="-79"/>
+              </a:rPr>
+              <a:t>Consciousness and Cognition</a:t>
+            </a:r>
+            <a:r>
+              <a:rPr lang="en-GB" b="0" i="0" u="none" strike="noStrike" dirty="0">
+                <a:solidFill>
+                  <a:srgbClr val="000000"/>
+                </a:solidFill>
+                <a:effectLst/>
+                <a:latin typeface="David" panose="020E0502060401010101" pitchFamily="34" charset="-79"/>
+                <a:cs typeface="David" panose="020E0502060401010101" pitchFamily="34" charset="-79"/>
+              </a:rPr>
+              <a:t> (2011) </a:t>
+            </a:r>
+            <a:r>
+              <a:rPr lang="he-IL" b="0" i="0" u="none" strike="noStrike" dirty="0">
+                <a:solidFill>
+                  <a:srgbClr val="000000"/>
+                </a:solidFill>
+                <a:effectLst/>
+                <a:latin typeface="David" panose="020E0502060401010101" pitchFamily="34" charset="-79"/>
+                <a:cs typeface="David" panose="020E0502060401010101" pitchFamily="34" charset="-79"/>
+              </a:rPr>
+              <a:t>מצא שדפוסי תנועת עיניים בלתי סדירים, כמו פיקסציות קצרות ופחות חזרות על הטקסט, מאפיינים מצבים של נדידת מחשבות בזמן קריאה. מחקר נוסף שפורסם בכתב העת </a:t>
+            </a:r>
+            <a:r>
+              <a:rPr lang="en-GB" b="0" i="1" u="none" strike="noStrike" dirty="0">
+                <a:solidFill>
+                  <a:srgbClr val="000000"/>
+                </a:solidFill>
+                <a:effectLst/>
+                <a:latin typeface="David" panose="020E0502060401010101" pitchFamily="34" charset="-79"/>
+                <a:cs typeface="David" panose="020E0502060401010101" pitchFamily="34" charset="-79"/>
+              </a:rPr>
+              <a:t>Neuroscience &amp; </a:t>
+            </a:r>
+            <a:r>
+              <a:rPr lang="en-GB" b="0" i="1" u="none" strike="noStrike" dirty="0" err="1">
+                <a:solidFill>
+                  <a:srgbClr val="000000"/>
+                </a:solidFill>
+                <a:effectLst/>
+                <a:latin typeface="David" panose="020E0502060401010101" pitchFamily="34" charset="-79"/>
+                <a:cs typeface="David" panose="020E0502060401010101" pitchFamily="34" charset="-79"/>
+              </a:rPr>
+              <a:t>Biobehavioral</a:t>
+            </a:r>
+            <a:r>
+              <a:rPr lang="en-GB" b="0" i="1" u="none" strike="noStrike" dirty="0">
+                <a:solidFill>
+                  <a:srgbClr val="000000"/>
+                </a:solidFill>
+                <a:effectLst/>
+                <a:latin typeface="David" panose="020E0502060401010101" pitchFamily="34" charset="-79"/>
+                <a:cs typeface="David" panose="020E0502060401010101" pitchFamily="34" charset="-79"/>
+              </a:rPr>
+              <a:t> Reviews</a:t>
+            </a:r>
+            <a:r>
+              <a:rPr lang="en-GB" b="0" i="0" u="none" strike="noStrike" dirty="0">
+                <a:solidFill>
+                  <a:srgbClr val="000000"/>
+                </a:solidFill>
+                <a:effectLst/>
+                <a:latin typeface="David" panose="020E0502060401010101" pitchFamily="34" charset="-79"/>
+                <a:cs typeface="David" panose="020E0502060401010101" pitchFamily="34" charset="-79"/>
+              </a:rPr>
+              <a:t> (2016), </a:t>
+            </a:r>
+            <a:r>
+              <a:rPr lang="he-IL" b="0" i="0" u="none" strike="noStrike" dirty="0">
+                <a:solidFill>
+                  <a:srgbClr val="000000"/>
+                </a:solidFill>
+                <a:effectLst/>
+                <a:latin typeface="David" panose="020E0502060401010101" pitchFamily="34" charset="-79"/>
+                <a:cs typeface="David" panose="020E0502060401010101" pitchFamily="34" charset="-79"/>
+              </a:rPr>
+              <a:t>הצביע על תדירות ואורך המצמוץ כמדדים מרכזיים המשקפים את הפעילות </a:t>
+            </a:r>
+            <a:r>
+              <a:rPr lang="he-IL" b="0" i="0" u="none" strike="noStrike" dirty="0" err="1">
+                <a:solidFill>
+                  <a:srgbClr val="000000"/>
+                </a:solidFill>
+                <a:effectLst/>
+                <a:latin typeface="David" panose="020E0502060401010101" pitchFamily="34" charset="-79"/>
+                <a:cs typeface="David" panose="020E0502060401010101" pitchFamily="34" charset="-79"/>
+              </a:rPr>
+              <a:t>הדופמינרגית</a:t>
+            </a:r>
+            <a:r>
+              <a:rPr lang="he-IL" b="0" i="0" u="none" strike="noStrike" dirty="0">
+                <a:solidFill>
+                  <a:srgbClr val="000000"/>
+                </a:solidFill>
+                <a:effectLst/>
+                <a:latin typeface="David" panose="020E0502060401010101" pitchFamily="34" charset="-79"/>
+                <a:cs typeface="David" panose="020E0502060401010101" pitchFamily="34" charset="-79"/>
+              </a:rPr>
+              <a:t> במוח, המהווה אינדיקציה חשובה למצבי קשב ונדידה.</a:t>
             </a:r>
             <a:endParaRPr lang="en-US" dirty="0"/>
           </a:p>
@@ -3434,604 +3529,7 @@
     </p:spTree>
     <p:extLst>
       <p:ext uri="{BB962C8B-B14F-4D97-AF65-F5344CB8AC3E}">
-        <p14:creationId xmlns:p14="http://schemas.microsoft.com/office/powerpoint/2010/main" val="529717037"/>
-      </p:ext>
-    </p:extLst>
-  </p:cSld>
-  <p:clrMapOvr>
-    <a:masterClrMapping/>
-  </p:clrMapOvr>
-</p:sld>
-</file>
-
-<file path=ppt/slides/slide2.xml><?xml version="1.0" encoding="utf-8"?>
-<p:sld xmlns:a="http://schemas.openxmlformats.org/drawingml/2006/main" xmlns:r="http://schemas.openxmlformats.org/officeDocument/2006/relationships" xmlns:p="http://schemas.openxmlformats.org/presentationml/2006/main">
-  <p:cSld>
-    <p:spTree>
-      <p:nvGrpSpPr>
-        <p:cNvPr id="1" name=""/>
-        <p:cNvGrpSpPr/>
-        <p:nvPr/>
-      </p:nvGrpSpPr>
-      <p:grpSpPr>
-        <a:xfrm>
-          <a:off x="0" y="0"/>
-          <a:ext cx="0" cy="0"/>
-          <a:chOff x="0" y="0"/>
-          <a:chExt cx="0" cy="0"/>
-        </a:xfrm>
-      </p:grpSpPr>
-      <p:sp>
-        <p:nvSpPr>
-          <p:cNvPr id="2" name="כותרת 1">
-            <a:extLst>
-              <a:ext uri="{FF2B5EF4-FFF2-40B4-BE49-F238E27FC236}">
-                <a16:creationId xmlns:a16="http://schemas.microsoft.com/office/drawing/2014/main" id="{4C6F325F-7D7A-9EE0-3629-44305757707D}"/>
-              </a:ext>
-            </a:extLst>
-          </p:cNvPr>
-          <p:cNvSpPr>
-            <a:spLocks noGrp="1"/>
-          </p:cNvSpPr>
-          <p:nvPr>
-            <p:ph type="title"/>
-          </p:nvPr>
-        </p:nvSpPr>
-        <p:spPr/>
-        <p:txBody>
-          <a:bodyPr>
-            <a:normAutofit/>
-          </a:bodyPr>
-          <a:lstStyle/>
-          <a:p>
-            <a:pPr algn="ctr"/>
-            <a:r>
-              <a:rPr lang="he-IL" b="1" dirty="0">
-                <a:cs typeface="+mn-cs"/>
-              </a:rPr>
-              <a:t>אחרי השגשוג: קריסתה של כלכלת זימבבואה יוצרת מטבע חדש</a:t>
-            </a:r>
-            <a:endParaRPr lang="en-US" dirty="0">
-              <a:cs typeface="+mn-cs"/>
-            </a:endParaRPr>
-          </a:p>
-        </p:txBody>
-      </p:sp>
-      <p:sp>
-        <p:nvSpPr>
-          <p:cNvPr id="3" name="מציין מיקום תוכן 2">
-            <a:extLst>
-              <a:ext uri="{FF2B5EF4-FFF2-40B4-BE49-F238E27FC236}">
-                <a16:creationId xmlns:a16="http://schemas.microsoft.com/office/drawing/2014/main" id="{4E7F22D6-77CB-132A-B525-C22C02224EA7}"/>
-              </a:ext>
-            </a:extLst>
-          </p:cNvPr>
-          <p:cNvSpPr>
-            <a:spLocks noGrp="1"/>
-          </p:cNvSpPr>
-          <p:nvPr>
-            <p:ph idx="1"/>
-          </p:nvPr>
-        </p:nvSpPr>
-        <p:spPr/>
-        <p:txBody>
-          <a:bodyPr/>
-          <a:lstStyle/>
-          <a:p>
-            <a:pPr marL="0" indent="0">
-              <a:buNone/>
-            </a:pPr>
-            <a:r>
-              <a:rPr lang="he-IL" b="1" dirty="0">
-                <a:effectLst/>
-              </a:rPr>
-              <a:t>אומרים שככל שרמתה הכלכלית של מדינה נמוכה יותר, כך הסבירות שהיא תצמח גבוהה יותר, הרי קל יותר להתפתח כלכלית כאשר יש לך דרך ארוכה לפניך.</a:t>
-            </a:r>
-            <a:r>
-              <a:rPr lang="he-IL" dirty="0"/>
-              <a:t> אילו זה היה כל כך פשוט, זימבבואה </a:t>
-            </a:r>
-            <a:r>
-              <a:rPr lang="he-IL" dirty="0" err="1"/>
-              <a:t>היתה</a:t>
-            </a:r>
-            <a:r>
-              <a:rPr lang="he-IL" dirty="0"/>
-              <a:t> נחשבת היום ליעד ההשקעה מספר אחד בעולם. אבל לצערם של תושביה, זה לא המצב.</a:t>
-            </a:r>
-            <a:endParaRPr lang="en-US" dirty="0"/>
-          </a:p>
-        </p:txBody>
-      </p:sp>
-    </p:spTree>
-    <p:extLst>
-      <p:ext uri="{BB962C8B-B14F-4D97-AF65-F5344CB8AC3E}">
-        <p14:creationId xmlns:p14="http://schemas.microsoft.com/office/powerpoint/2010/main" val="4031975956"/>
-      </p:ext>
-    </p:extLst>
-  </p:cSld>
-  <p:clrMapOvr>
-    <a:masterClrMapping/>
-  </p:clrMapOvr>
-</p:sld>
-</file>
-
-<file path=ppt/slides/slide3.xml><?xml version="1.0" encoding="utf-8"?>
-<p:sld xmlns:a="http://schemas.openxmlformats.org/drawingml/2006/main" xmlns:r="http://schemas.openxmlformats.org/officeDocument/2006/relationships" xmlns:p="http://schemas.openxmlformats.org/presentationml/2006/main">
-  <p:cSld>
-    <p:spTree>
-      <p:nvGrpSpPr>
-        <p:cNvPr id="1" name=""/>
-        <p:cNvGrpSpPr/>
-        <p:nvPr/>
-      </p:nvGrpSpPr>
-      <p:grpSpPr>
-        <a:xfrm>
-          <a:off x="0" y="0"/>
-          <a:ext cx="0" cy="0"/>
-          <a:chOff x="0" y="0"/>
-          <a:chExt cx="0" cy="0"/>
-        </a:xfrm>
-      </p:grpSpPr>
-      <p:sp>
-        <p:nvSpPr>
-          <p:cNvPr id="3" name="מציין מיקום תוכן 2">
-            <a:extLst>
-              <a:ext uri="{FF2B5EF4-FFF2-40B4-BE49-F238E27FC236}">
-                <a16:creationId xmlns:a16="http://schemas.microsoft.com/office/drawing/2014/main" id="{F73B46BE-8A8C-9B72-BBFD-5CE70A2A0A05}"/>
-              </a:ext>
-            </a:extLst>
-          </p:cNvPr>
-          <p:cNvSpPr>
-            <a:spLocks noGrp="1"/>
-          </p:cNvSpPr>
-          <p:nvPr>
-            <p:ph idx="1"/>
-          </p:nvPr>
-        </p:nvSpPr>
-        <p:spPr>
-          <a:xfrm>
-            <a:off x="82550" y="2232819"/>
-            <a:ext cx="11963400" cy="2491582"/>
-          </a:xfrm>
-        </p:spPr>
-        <p:txBody>
-          <a:bodyPr/>
-          <a:lstStyle/>
-          <a:p>
-            <a:pPr marL="0" indent="0" algn="ctr">
-              <a:buNone/>
-            </a:pPr>
-            <a:r>
-              <a:rPr lang="he-IL" dirty="0"/>
-              <a:t>המדינה שמצויה מצפון לדרום אפריקה וחולקת גבול עם זמביה, בוטסואנה ומוזמביק, נחשבה בימים בהם נקראה רודזיה ונשלטה בידי המיעוט אירופאי, כ"אסם התבואה של אפריקה". היא הייתה זרועה בחוות משגשגות, ייצאה דגנים וכותנה לאירופה ופיתחה את ענפי התיירות והמכרות בצורה מרשימה. אך בניגוד לעבר, היום לא נותר מכל אלה כמעט דבר, הכלכלה כבר לא מתמוטטת אלא הרוסה, וקשה לראות כיצד היא תצליח לצאת מכך.</a:t>
-            </a:r>
-            <a:endParaRPr lang="en-US" dirty="0"/>
-          </a:p>
-        </p:txBody>
-      </p:sp>
-    </p:spTree>
-    <p:extLst>
-      <p:ext uri="{BB962C8B-B14F-4D97-AF65-F5344CB8AC3E}">
-        <p14:creationId xmlns:p14="http://schemas.microsoft.com/office/powerpoint/2010/main" val="1795568829"/>
-      </p:ext>
-    </p:extLst>
-  </p:cSld>
-  <p:clrMapOvr>
-    <a:masterClrMapping/>
-  </p:clrMapOvr>
-</p:sld>
-</file>
-
-<file path=ppt/slides/slide4.xml><?xml version="1.0" encoding="utf-8"?>
-<p:sld xmlns:a="http://schemas.openxmlformats.org/drawingml/2006/main" xmlns:r="http://schemas.openxmlformats.org/officeDocument/2006/relationships" xmlns:p="http://schemas.openxmlformats.org/presentationml/2006/main">
-  <p:cSld>
-    <p:spTree>
-      <p:nvGrpSpPr>
-        <p:cNvPr id="1" name="">
-          <a:extLst>
-            <a:ext uri="{FF2B5EF4-FFF2-40B4-BE49-F238E27FC236}">
-              <a16:creationId xmlns:a16="http://schemas.microsoft.com/office/drawing/2014/main" id="{6CC5742D-4565-FFDE-D3D0-5057B4172562}"/>
-            </a:ext>
-          </a:extLst>
-        </p:cNvPr>
-        <p:cNvGrpSpPr/>
-        <p:nvPr/>
-      </p:nvGrpSpPr>
-      <p:grpSpPr>
-        <a:xfrm>
-          <a:off x="0" y="0"/>
-          <a:ext cx="0" cy="0"/>
-          <a:chOff x="0" y="0"/>
-          <a:chExt cx="0" cy="0"/>
-        </a:xfrm>
-      </p:grpSpPr>
-      <p:sp>
-        <p:nvSpPr>
-          <p:cNvPr id="3" name="מציין מיקום תוכן 2">
-            <a:extLst>
-              <a:ext uri="{FF2B5EF4-FFF2-40B4-BE49-F238E27FC236}">
-                <a16:creationId xmlns:a16="http://schemas.microsoft.com/office/drawing/2014/main" id="{9BDF04A1-62AC-D1FC-FDC8-180540D4D8AA}"/>
-              </a:ext>
-            </a:extLst>
-          </p:cNvPr>
-          <p:cNvSpPr>
-            <a:spLocks noGrp="1"/>
-          </p:cNvSpPr>
-          <p:nvPr>
-            <p:ph idx="1"/>
-          </p:nvPr>
-        </p:nvSpPr>
-        <p:spPr>
-          <a:xfrm>
-            <a:off x="114300" y="2232819"/>
-            <a:ext cx="11912600" cy="2491582"/>
-          </a:xfrm>
-        </p:spPr>
-        <p:txBody>
-          <a:bodyPr>
-            <a:normAutofit/>
-          </a:bodyPr>
-          <a:lstStyle/>
-          <a:p>
-            <a:pPr marL="0" indent="0" algn="ctr">
-              <a:buNone/>
-            </a:pPr>
-            <a:r>
-              <a:rPr lang="he-IL" dirty="0"/>
-              <a:t>כדי להבין עד כמה קשה מצבה של זימבבואה, אפשר לראות את טלטלות המטבע הלאומי שלה, הדולר </a:t>
-            </a:r>
-            <a:r>
-              <a:rPr lang="he-IL" dirty="0" err="1"/>
-              <a:t>הזימבבואי</a:t>
-            </a:r>
-            <a:r>
-              <a:rPr lang="he-IL" dirty="0"/>
-              <a:t>. מזה שנים שהשלטון לא מצליח לייצר הכנסות משמעותיות. חלק גדול ממימון פעילויותיו מגיע מהדפסת כסף, מה שהביא לאינפלציה אסטרונומית שהגיעה בשנה אחת למעל מיליון אחוז - שיא עולמי היסטורי ולא מחמיא. אותה אינפלציה גררה את ערכו של המטבע להדפסת שטרות בני מאה מיליארד דולר, שערכם היה כערכו של דולר אמריקני יחיד.</a:t>
-            </a:r>
-            <a:endParaRPr lang="en-US" dirty="0"/>
-          </a:p>
-        </p:txBody>
-      </p:sp>
-    </p:spTree>
-    <p:extLst>
-      <p:ext uri="{BB962C8B-B14F-4D97-AF65-F5344CB8AC3E}">
-        <p14:creationId xmlns:p14="http://schemas.microsoft.com/office/powerpoint/2010/main" val="3747815499"/>
-      </p:ext>
-    </p:extLst>
-  </p:cSld>
-  <p:clrMapOvr>
-    <a:masterClrMapping/>
-  </p:clrMapOvr>
-</p:sld>
-</file>
-
-<file path=ppt/slides/slide5.xml><?xml version="1.0" encoding="utf-8"?>
-<p:sld xmlns:a="http://schemas.openxmlformats.org/drawingml/2006/main" xmlns:r="http://schemas.openxmlformats.org/officeDocument/2006/relationships" xmlns:p="http://schemas.openxmlformats.org/presentationml/2006/main">
-  <p:cSld>
-    <p:spTree>
-      <p:nvGrpSpPr>
-        <p:cNvPr id="1" name="">
-          <a:extLst>
-            <a:ext uri="{FF2B5EF4-FFF2-40B4-BE49-F238E27FC236}">
-              <a16:creationId xmlns:a16="http://schemas.microsoft.com/office/drawing/2014/main" id="{D1207405-1304-031F-D601-3BA7565201D8}"/>
-            </a:ext>
-          </a:extLst>
-        </p:cNvPr>
-        <p:cNvGrpSpPr/>
-        <p:nvPr/>
-      </p:nvGrpSpPr>
-      <p:grpSpPr>
-        <a:xfrm>
-          <a:off x="0" y="0"/>
-          <a:ext cx="0" cy="0"/>
-          <a:chOff x="0" y="0"/>
-          <a:chExt cx="0" cy="0"/>
-        </a:xfrm>
-      </p:grpSpPr>
-      <p:sp>
-        <p:nvSpPr>
-          <p:cNvPr id="3" name="מציין מיקום תוכן 2">
-            <a:extLst>
-              <a:ext uri="{FF2B5EF4-FFF2-40B4-BE49-F238E27FC236}">
-                <a16:creationId xmlns:a16="http://schemas.microsoft.com/office/drawing/2014/main" id="{7674DFB9-13CA-E36F-6EF3-CC9E7D90D1F6}"/>
-              </a:ext>
-            </a:extLst>
-          </p:cNvPr>
-          <p:cNvSpPr>
-            <a:spLocks noGrp="1"/>
-          </p:cNvSpPr>
-          <p:nvPr>
-            <p:ph idx="1"/>
-          </p:nvPr>
-        </p:nvSpPr>
-        <p:spPr>
-          <a:xfrm>
-            <a:off x="120650" y="1638300"/>
-            <a:ext cx="11950700" cy="3581399"/>
-          </a:xfrm>
-        </p:spPr>
-        <p:txBody>
-          <a:bodyPr>
-            <a:normAutofit/>
-          </a:bodyPr>
-          <a:lstStyle/>
-          <a:p>
-            <a:pPr marL="0" indent="0" algn="ctr">
-              <a:buNone/>
-            </a:pPr>
-            <a:r>
-              <a:rPr lang="he-IL" dirty="0"/>
-              <a:t>חוסר האמון במטבע המקומי הביא את השלטון להתיר שימוש עם מטבעות זרים, בהם האירו, הדולר האמריקאי, היואן הסיני </a:t>
-            </a:r>
-            <a:r>
-              <a:rPr lang="he-IL" dirty="0" err="1"/>
-              <a:t>והראנד</a:t>
-            </a:r>
-            <a:r>
-              <a:rPr lang="he-IL" dirty="0"/>
-              <a:t> הדרום אפריקאי. סין, שמקדמת את </a:t>
-            </a:r>
-            <a:r>
-              <a:rPr lang="he-IL" dirty="0">
-                <a:hlinkClick r:id="rId2"/>
-              </a:rPr>
-              <a:t>החדירה שלה אל היבשת</a:t>
-            </a:r>
-            <a:r>
-              <a:rPr lang="he-IL" dirty="0"/>
-              <a:t>, התגייסה לסייע ושלחה מלאי שטרות לשימוש המדינה. באותה הזדמנות, סין דאגה לרכוש שליטה במכרות </a:t>
-            </a:r>
-            <a:r>
-              <a:rPr lang="he-IL" dirty="0" err="1"/>
-              <a:t>ופרוייקטים</a:t>
-            </a:r>
-            <a:r>
-              <a:rPr lang="he-IL" dirty="0"/>
-              <a:t> ממשלתיים. למרות הסיוע הסיני לא היה בידי המדינה מספיק מטבע זר על מנת לקיים את התשלומים הפנימיים, ובמהרה היא לא הצליחה לשלם משכורות לעובדיה. החודש הכריז </a:t>
-            </a:r>
-            <a:r>
-              <a:rPr lang="he-IL" dirty="0" err="1"/>
-              <a:t>המימשל</a:t>
-            </a:r>
-            <a:r>
-              <a:rPr lang="he-IL" dirty="0"/>
-              <a:t> על השקתו המחודשת של הדולר </a:t>
-            </a:r>
-            <a:r>
-              <a:rPr lang="he-IL" dirty="0" err="1"/>
-              <a:t>הזימבבואי</a:t>
-            </a:r>
-            <a:r>
-              <a:rPr lang="he-IL" dirty="0"/>
-              <a:t>, שצמוד בערכו לערך הדולר האמריקני. האם זה יפתור את הבעיות? כנראה שלא. לציבור אין אמון בשלטון ובמטבע, וההידרדרות החדשה היא רק שאלה של זמן.</a:t>
-            </a:r>
-            <a:endParaRPr lang="en-US" dirty="0"/>
-          </a:p>
-        </p:txBody>
-      </p:sp>
-    </p:spTree>
-    <p:extLst>
-      <p:ext uri="{BB962C8B-B14F-4D97-AF65-F5344CB8AC3E}">
-        <p14:creationId xmlns:p14="http://schemas.microsoft.com/office/powerpoint/2010/main" val="1768939904"/>
-      </p:ext>
-    </p:extLst>
-  </p:cSld>
-  <p:clrMapOvr>
-    <a:masterClrMapping/>
-  </p:clrMapOvr>
-</p:sld>
-</file>
-
-<file path=ppt/slides/slide6.xml><?xml version="1.0" encoding="utf-8"?>
-<p:sld xmlns:a="http://schemas.openxmlformats.org/drawingml/2006/main" xmlns:r="http://schemas.openxmlformats.org/officeDocument/2006/relationships" xmlns:p="http://schemas.openxmlformats.org/presentationml/2006/main">
-  <p:cSld>
-    <p:spTree>
-      <p:nvGrpSpPr>
-        <p:cNvPr id="1" name="">
-          <a:extLst>
-            <a:ext uri="{FF2B5EF4-FFF2-40B4-BE49-F238E27FC236}">
-              <a16:creationId xmlns:a16="http://schemas.microsoft.com/office/drawing/2014/main" id="{4DCE81BA-EC48-9F28-9453-ED4A92A4642F}"/>
-            </a:ext>
-          </a:extLst>
-        </p:cNvPr>
-        <p:cNvGrpSpPr/>
-        <p:nvPr/>
-      </p:nvGrpSpPr>
-      <p:grpSpPr>
-        <a:xfrm>
-          <a:off x="0" y="0"/>
-          <a:ext cx="0" cy="0"/>
-          <a:chOff x="0" y="0"/>
-          <a:chExt cx="0" cy="0"/>
-        </a:xfrm>
-      </p:grpSpPr>
-      <p:sp>
-        <p:nvSpPr>
-          <p:cNvPr id="3" name="מציין מיקום תוכן 2">
-            <a:extLst>
-              <a:ext uri="{FF2B5EF4-FFF2-40B4-BE49-F238E27FC236}">
-                <a16:creationId xmlns:a16="http://schemas.microsoft.com/office/drawing/2014/main" id="{DD409D7C-64F1-ABAA-2E41-4C5BCC88E540}"/>
-              </a:ext>
-            </a:extLst>
-          </p:cNvPr>
-          <p:cNvSpPr>
-            <a:spLocks noGrp="1"/>
-          </p:cNvSpPr>
-          <p:nvPr>
-            <p:ph idx="1"/>
-          </p:nvPr>
-        </p:nvSpPr>
-        <p:spPr>
-          <a:xfrm>
-            <a:off x="260350" y="1285875"/>
-            <a:ext cx="11753850" cy="4286249"/>
-          </a:xfrm>
-        </p:spPr>
-        <p:txBody>
-          <a:bodyPr>
-            <a:normAutofit lnSpcReduction="10000"/>
-          </a:bodyPr>
-          <a:lstStyle/>
-          <a:p>
-            <a:pPr marL="0" indent="0" algn="ctr">
-              <a:buNone/>
-            </a:pPr>
-            <a:r>
-              <a:rPr lang="he-IL" b="1" dirty="0" err="1"/>
-              <a:t>הפונטציאל</a:t>
-            </a:r>
-            <a:r>
-              <a:rPr lang="he-IL" b="1" dirty="0"/>
-              <a:t> קיים, אז למה ניגריה כן וזימבבואה לא?</a:t>
-            </a:r>
-          </a:p>
-          <a:p>
-            <a:pPr marL="0" indent="0" algn="ctr">
-              <a:buNone/>
-            </a:pPr>
-            <a:r>
-              <a:rPr lang="he-IL" dirty="0"/>
-              <a:t>קריסתה של הכלכלה באה, כאמור, אחרי שגשוג החקלאות במדינה בימי שלטון המיעוט של תקופת רודזיה, הווה אומר שהפוטנציאל קיים. פוטנציאל חקלאי, פוטנציאל תיירותי במדינה שחולקת את מפלי ויקטוריה עם שכנתה מצפון זמביה ויש בה עושר של טבע, צמחיה ובעלי חיים תושבי סוואנה. בל נשכח את העובדה שיש באדמתה מצבורים עצומים של זהב, פלטינה ויהלומים. </a:t>
-            </a:r>
-            <a:r>
-              <a:rPr lang="he-IL" dirty="0">
-                <a:hlinkClick r:id="rId2"/>
-              </a:rPr>
-              <a:t>ניגריה התקדמה בזכות מה שמצוי באדמתה</a:t>
-            </a:r>
-            <a:r>
-              <a:rPr lang="he-IL" dirty="0"/>
-              <a:t>, ומדוע לא זימבבואה? </a:t>
-            </a:r>
-            <a:endParaRPr lang="en-US" dirty="0"/>
-          </a:p>
-          <a:p>
-            <a:pPr marL="0" indent="0" algn="ctr">
-              <a:buNone/>
-            </a:pPr>
-            <a:r>
-              <a:rPr lang="he-IL" dirty="0"/>
-              <a:t>למרות שפועלים בה מכרות של חברות בינלאומיות המדינה מקבלת על כך תמלוגים, אך אלה נעלמים באורח פלא היכן שהוא בכיסי אנשי הצבא והשלטון בדרכם אל התקציב הציבורי. האדמיניסטרציה וכוחות הבטחון המושחתים הם אלה שמאפשרים את המשך המקור לכל הצרות במדינה </a:t>
-            </a:r>
-            <a:r>
-              <a:rPr lang="he-IL" dirty="0" err="1"/>
-              <a:t>העניה</a:t>
-            </a:r>
-            <a:r>
-              <a:rPr lang="he-IL" dirty="0"/>
-              <a:t> הזאת</a:t>
-            </a:r>
-          </a:p>
-        </p:txBody>
-      </p:sp>
-    </p:spTree>
-    <p:extLst>
-      <p:ext uri="{BB962C8B-B14F-4D97-AF65-F5344CB8AC3E}">
-        <p14:creationId xmlns:p14="http://schemas.microsoft.com/office/powerpoint/2010/main" val="1615436061"/>
-      </p:ext>
-    </p:extLst>
-  </p:cSld>
-  <p:clrMapOvr>
-    <a:masterClrMapping/>
-  </p:clrMapOvr>
-</p:sld>
-</file>
-
-<file path=ppt/slides/slide7.xml><?xml version="1.0" encoding="utf-8"?>
-<p:sld xmlns:a="http://schemas.openxmlformats.org/drawingml/2006/main" xmlns:r="http://schemas.openxmlformats.org/officeDocument/2006/relationships" xmlns:p="http://schemas.openxmlformats.org/presentationml/2006/main">
-  <p:cSld>
-    <p:spTree>
-      <p:nvGrpSpPr>
-        <p:cNvPr id="1" name="">
-          <a:extLst>
-            <a:ext uri="{FF2B5EF4-FFF2-40B4-BE49-F238E27FC236}">
-              <a16:creationId xmlns:a16="http://schemas.microsoft.com/office/drawing/2014/main" id="{B6BFDB64-9436-70CF-FF19-66BEBD8470C6}"/>
-            </a:ext>
-          </a:extLst>
-        </p:cNvPr>
-        <p:cNvGrpSpPr/>
-        <p:nvPr/>
-      </p:nvGrpSpPr>
-      <p:grpSpPr>
-        <a:xfrm>
-          <a:off x="0" y="0"/>
-          <a:ext cx="0" cy="0"/>
-          <a:chOff x="0" y="0"/>
-          <a:chExt cx="0" cy="0"/>
-        </a:xfrm>
-      </p:grpSpPr>
-      <p:sp>
-        <p:nvSpPr>
-          <p:cNvPr id="3" name="מציין מיקום תוכן 2">
-            <a:extLst>
-              <a:ext uri="{FF2B5EF4-FFF2-40B4-BE49-F238E27FC236}">
-                <a16:creationId xmlns:a16="http://schemas.microsoft.com/office/drawing/2014/main" id="{612A1560-8377-5758-5C9B-717228B3F70B}"/>
-              </a:ext>
-            </a:extLst>
-          </p:cNvPr>
-          <p:cNvSpPr>
-            <a:spLocks noGrp="1"/>
-          </p:cNvSpPr>
-          <p:nvPr>
-            <p:ph idx="1"/>
-          </p:nvPr>
-        </p:nvSpPr>
-        <p:spPr>
-          <a:xfrm>
-            <a:off x="152400" y="1638300"/>
-            <a:ext cx="11893550" cy="3581399"/>
-          </a:xfrm>
-        </p:spPr>
-        <p:txBody>
-          <a:bodyPr>
-            <a:normAutofit lnSpcReduction="10000"/>
-          </a:bodyPr>
-          <a:lstStyle/>
-          <a:p>
-            <a:pPr marL="0" indent="0" algn="ctr">
-              <a:buNone/>
-            </a:pPr>
-            <a:r>
-              <a:rPr lang="he-IL" b="1" dirty="0"/>
-              <a:t>מה קרה לשאר מגזרי הכלכלה?</a:t>
-            </a:r>
-          </a:p>
-          <a:p>
-            <a:pPr marL="0" indent="0" algn="ctr">
-              <a:buNone/>
-            </a:pPr>
-            <a:r>
-              <a:rPr lang="he-IL" dirty="0"/>
-              <a:t>גירוש החוואים הלבנים עם עליית רוברט מוגבה לשלטון </a:t>
-            </a:r>
-            <a:r>
-              <a:rPr lang="he-IL" dirty="0" err="1"/>
-              <a:t>דירדר</a:t>
-            </a:r>
-            <a:r>
-              <a:rPr lang="he-IL" dirty="0"/>
-              <a:t> את החקלאות, והחרם שהטילו מדינות המערב עקב הפרת זכויות האדם סגר בפני זימבבואה את אפשרויות היצוא. על כל אלה נוספו השחיתות, כאמור, והניהול הכלכלי הכושל. השלטון מציב בפני חברות זרות דרישות דרקוניות מבחינת אחוז השחורים בקרב העובדים, ההנהלה ובעלי המניות, יזמים זרים מורחקים ממנה בחשדנות, </a:t>
-            </a:r>
-            <a:r>
-              <a:rPr lang="he-IL" dirty="0" err="1"/>
-              <a:t>מסים</a:t>
-            </a:r>
-            <a:r>
-              <a:rPr lang="he-IL" dirty="0"/>
-              <a:t> גבוהים מוטלים על עסקים מקומיים וגורמים לרבים להתמוטט, המחסור במזון מביא תושבים רבים לברא שטחי חקלאות גם בשמורות טבע ולצוד חיות בר, מה שמביא להרס הטבע והפוטנציאל התיירותי.</a:t>
-            </a:r>
-          </a:p>
-          <a:p>
-            <a:pPr algn="ctr"/>
-            <a:endParaRPr lang="he-IL" dirty="0"/>
-          </a:p>
-        </p:txBody>
-      </p:sp>
-    </p:spTree>
-    <p:extLst>
-      <p:ext uri="{BB962C8B-B14F-4D97-AF65-F5344CB8AC3E}">
-        <p14:creationId xmlns:p14="http://schemas.microsoft.com/office/powerpoint/2010/main" val="2956035617"/>
+        <p14:creationId xmlns:p14="http://schemas.microsoft.com/office/powerpoint/2010/main" val="338038198"/>
       </p:ext>
     </p:extLst>
   </p:cSld>
@@ -4042,7 +3540,7 @@
 </file>
 
 <file path=ppt/theme/theme1.xml><?xml version="1.0" encoding="utf-8"?>
-<a:theme xmlns:a="http://schemas.openxmlformats.org/drawingml/2006/main" name="ערכת נושא Office">
+<a:theme xmlns:a="http://schemas.openxmlformats.org/drawingml/2006/main" name="Office Theme">
   <a:themeElements>
     <a:clrScheme name="Office">
       <a:dk1>
